--- a/BigCon/Submission_BigContest_JO.pptx
+++ b/BigCon/Submission_BigContest_JO.pptx
@@ -5,17 +5,8 @@
     <p:sldMasterId id="2147483648" r:id="rId1"/>
   </p:sldMasterIdLst>
   <p:sldIdLst>
-    <p:sldId id="256" r:id="rId2"/>
-    <p:sldId id="257" r:id="rId3"/>
-    <p:sldId id="258" r:id="rId4"/>
-    <p:sldId id="259" r:id="rId5"/>
-    <p:sldId id="260" r:id="rId6"/>
-    <p:sldId id="265" r:id="rId7"/>
-    <p:sldId id="266" r:id="rId8"/>
-    <p:sldId id="264" r:id="rId9"/>
-    <p:sldId id="261" r:id="rId10"/>
-    <p:sldId id="262" r:id="rId11"/>
-    <p:sldId id="263" r:id="rId12"/>
+    <p:sldId id="260" r:id="rId2"/>
+    <p:sldId id="261" r:id="rId3"/>
   </p:sldIdLst>
   <p:sldSz cx="12192000" cy="6858000"/>
   <p:notesSz cx="6858000" cy="9144000"/>
@@ -15774,824 +15765,6 @@
           <p:cNvPr id="2" name="제목 1">
             <a:extLst>
               <a:ext uri="{FF2B5EF4-FFF2-40B4-BE49-F238E27FC236}">
-                <a16:creationId xmlns:a16="http://schemas.microsoft.com/office/drawing/2014/main" id="{475A8BFE-0EB0-E44A-8D5E-89E18F6B3A5F}"/>
-              </a:ext>
-            </a:extLst>
-          </p:cNvPr>
-          <p:cNvSpPr>
-            <a:spLocks noGrp="1"/>
-          </p:cNvSpPr>
-          <p:nvPr>
-            <p:ph type="ctrTitle"/>
-          </p:nvPr>
-        </p:nvSpPr>
-        <p:spPr/>
-        <p:txBody>
-          <a:bodyPr/>
-          <a:lstStyle/>
-          <a:p>
-            <a:r>
-              <a:rPr kumimoji="1" lang="en-US" altLang="ko-KR" dirty="0"/>
-              <a:t>TEAM: </a:t>
-            </a:r>
-            <a:r>
-              <a:rPr kumimoji="1" lang="ko-KR" altLang="en-US" dirty="0"/>
-              <a:t>제왕의홈쇼핑</a:t>
-            </a:r>
-            <a:endParaRPr kumimoji="1" lang="ko-Kore-KR" altLang="en-US" dirty="0"/>
-          </a:p>
-        </p:txBody>
-      </p:sp>
-      <p:sp>
-        <p:nvSpPr>
-          <p:cNvPr id="3" name="부제목 2">
-            <a:extLst>
-              <a:ext uri="{FF2B5EF4-FFF2-40B4-BE49-F238E27FC236}">
-                <a16:creationId xmlns:a16="http://schemas.microsoft.com/office/drawing/2014/main" id="{DE5A2ED9-56A5-B042-A13A-90FE33A0A6C9}"/>
-              </a:ext>
-            </a:extLst>
-          </p:cNvPr>
-          <p:cNvSpPr>
-            <a:spLocks noGrp="1"/>
-          </p:cNvSpPr>
-          <p:nvPr>
-            <p:ph type="subTitle" idx="1"/>
-          </p:nvPr>
-        </p:nvSpPr>
-        <p:spPr/>
-        <p:txBody>
-          <a:bodyPr/>
-          <a:lstStyle/>
-          <a:p>
-            <a:r>
-              <a:rPr kumimoji="1" lang="en-US" altLang="ko-Kore-KR" dirty="0"/>
-              <a:t>NS SHOP+</a:t>
-            </a:r>
-            <a:r>
-              <a:rPr kumimoji="1" lang="ko-KR" altLang="en-US" dirty="0"/>
-              <a:t> </a:t>
-            </a:r>
-            <a:r>
-              <a:rPr kumimoji="1" lang="en-US" altLang="ko-Kore-KR" dirty="0"/>
-              <a:t>(</a:t>
-            </a:r>
-            <a:r>
-              <a:rPr kumimoji="1" lang="ko-KR" altLang="en-US" dirty="0" err="1"/>
-              <a:t>챔피언리그</a:t>
-            </a:r>
-            <a:r>
-              <a:rPr kumimoji="1" lang="en-US" altLang="ko-KR" dirty="0"/>
-              <a:t>)</a:t>
-            </a:r>
-          </a:p>
-          <a:p>
-            <a:pPr algn="r"/>
-            <a:r>
-              <a:rPr kumimoji="1" lang="ko-KR" altLang="en-US" dirty="0"/>
-              <a:t>참가자</a:t>
-            </a:r>
-            <a:r>
-              <a:rPr kumimoji="1" lang="en-US" altLang="ko-KR" dirty="0"/>
-              <a:t>:</a:t>
-            </a:r>
-            <a:r>
-              <a:rPr kumimoji="1" lang="ko-KR" altLang="en-US" dirty="0"/>
-              <a:t> 박희원</a:t>
-            </a:r>
-            <a:r>
-              <a:rPr kumimoji="1" lang="en-US" altLang="ko-KR" dirty="0"/>
-              <a:t>(</a:t>
-            </a:r>
-            <a:r>
-              <a:rPr kumimoji="1" lang="ko-KR" altLang="en-US" dirty="0"/>
-              <a:t>팀장</a:t>
-            </a:r>
-            <a:r>
-              <a:rPr kumimoji="1" lang="en-US" altLang="ko-KR" dirty="0"/>
-              <a:t>),</a:t>
-            </a:r>
-            <a:r>
-              <a:rPr kumimoji="1" lang="ko-KR" altLang="en-US" dirty="0"/>
-              <a:t> </a:t>
-            </a:r>
-            <a:r>
-              <a:rPr kumimoji="1" lang="ko-KR" altLang="en-US" dirty="0" err="1"/>
-              <a:t>이찬주</a:t>
-            </a:r>
-            <a:endParaRPr kumimoji="1" lang="en-US" altLang="ko-KR" dirty="0"/>
-          </a:p>
-          <a:p>
-            <a:pPr algn="r"/>
-            <a:r>
-              <a:rPr kumimoji="1" lang="ko-KR" altLang="en-US" dirty="0"/>
-              <a:t>김진원</a:t>
-            </a:r>
-            <a:r>
-              <a:rPr kumimoji="1" lang="en-US" altLang="ko-KR" dirty="0"/>
-              <a:t>,</a:t>
-            </a:r>
-            <a:r>
-              <a:rPr kumimoji="1" lang="ko-KR" altLang="en-US" dirty="0"/>
-              <a:t> 조원우</a:t>
-            </a:r>
-            <a:endParaRPr kumimoji="1" lang="en-US" altLang="ko-Kore-KR" dirty="0"/>
-          </a:p>
-        </p:txBody>
-      </p:sp>
-      <p:pic>
-        <p:nvPicPr>
-          <p:cNvPr id="1026" name="Picture 2" descr="NS홈쇼핑">
-            <a:extLst>
-              <a:ext uri="{FF2B5EF4-FFF2-40B4-BE49-F238E27FC236}">
-                <a16:creationId xmlns:a16="http://schemas.microsoft.com/office/drawing/2014/main" id="{0F0A1553-29DA-8248-8564-6922AE880CDD}"/>
-              </a:ext>
-            </a:extLst>
-          </p:cNvPr>
-          <p:cNvPicPr>
-            <a:picLocks noChangeAspect="1" noChangeArrowheads="1"/>
-          </p:cNvPicPr>
-          <p:nvPr/>
-        </p:nvPicPr>
-        <p:blipFill>
-          <a:blip r:embed="rId2">
-            <a:extLst>
-              <a:ext uri="{28A0092B-C50C-407E-A947-70E740481C1C}">
-                <a14:useLocalDpi xmlns:a14="http://schemas.microsoft.com/office/drawing/2010/main" val="0"/>
-              </a:ext>
-            </a:extLst>
-          </a:blip>
-          <a:srcRect/>
-          <a:stretch>
-            <a:fillRect/>
-          </a:stretch>
-        </p:blipFill>
-        <p:spPr bwMode="auto">
-          <a:xfrm>
-            <a:off x="5270450" y="5724846"/>
-            <a:ext cx="1651000" cy="381000"/>
-          </a:xfrm>
-          <a:prstGeom prst="rect">
-            <a:avLst/>
-          </a:prstGeom>
-          <a:noFill/>
-          <a:extLst>
-            <a:ext uri="{909E8E84-426E-40DD-AFC4-6F175D3DCCD1}">
-              <a14:hiddenFill xmlns:a14="http://schemas.microsoft.com/office/drawing/2010/main">
-                <a:solidFill>
-                  <a:srgbClr val="FFFFFF"/>
-                </a:solidFill>
-              </a14:hiddenFill>
-            </a:ext>
-          </a:extLst>
-        </p:spPr>
-      </p:pic>
-    </p:spTree>
-    <p:extLst>
-      <p:ext uri="{BB962C8B-B14F-4D97-AF65-F5344CB8AC3E}">
-        <p14:creationId xmlns:p14="http://schemas.microsoft.com/office/powerpoint/2010/main" val="1557271922"/>
-      </p:ext>
-    </p:extLst>
-  </p:cSld>
-  <p:clrMapOvr>
-    <a:masterClrMapping/>
-  </p:clrMapOvr>
-</p:sld>
-</file>
-
-<file path=ppt/slides/slide10.xml><?xml version="1.0" encoding="utf-8"?>
-<p:sld xmlns:a="http://schemas.openxmlformats.org/drawingml/2006/main" xmlns:r="http://schemas.openxmlformats.org/officeDocument/2006/relationships" xmlns:p="http://schemas.openxmlformats.org/presentationml/2006/main">
-  <p:cSld>
-    <p:spTree>
-      <p:nvGrpSpPr>
-        <p:cNvPr id="1" name=""/>
-        <p:cNvGrpSpPr/>
-        <p:nvPr/>
-      </p:nvGrpSpPr>
-      <p:grpSpPr>
-        <a:xfrm>
-          <a:off x="0" y="0"/>
-          <a:ext cx="0" cy="0"/>
-          <a:chOff x="0" y="0"/>
-          <a:chExt cx="0" cy="0"/>
-        </a:xfrm>
-      </p:grpSpPr>
-    </p:spTree>
-    <p:extLst>
-      <p:ext uri="{BB962C8B-B14F-4D97-AF65-F5344CB8AC3E}">
-        <p14:creationId xmlns:p14="http://schemas.microsoft.com/office/powerpoint/2010/main" val="2247348006"/>
-      </p:ext>
-    </p:extLst>
-  </p:cSld>
-  <p:clrMapOvr>
-    <a:masterClrMapping/>
-  </p:clrMapOvr>
-</p:sld>
-</file>
-
-<file path=ppt/slides/slide11.xml><?xml version="1.0" encoding="utf-8"?>
-<p:sld xmlns:a="http://schemas.openxmlformats.org/drawingml/2006/main" xmlns:r="http://schemas.openxmlformats.org/officeDocument/2006/relationships" xmlns:p="http://schemas.openxmlformats.org/presentationml/2006/main">
-  <p:cSld>
-    <p:spTree>
-      <p:nvGrpSpPr>
-        <p:cNvPr id="1" name=""/>
-        <p:cNvGrpSpPr/>
-        <p:nvPr/>
-      </p:nvGrpSpPr>
-      <p:grpSpPr>
-        <a:xfrm>
-          <a:off x="0" y="0"/>
-          <a:ext cx="0" cy="0"/>
-          <a:chOff x="0" y="0"/>
-          <a:chExt cx="0" cy="0"/>
-        </a:xfrm>
-      </p:grpSpPr>
-    </p:spTree>
-    <p:extLst>
-      <p:ext uri="{BB962C8B-B14F-4D97-AF65-F5344CB8AC3E}">
-        <p14:creationId xmlns:p14="http://schemas.microsoft.com/office/powerpoint/2010/main" val="1613534483"/>
-      </p:ext>
-    </p:extLst>
-  </p:cSld>
-  <p:clrMapOvr>
-    <a:masterClrMapping/>
-  </p:clrMapOvr>
-</p:sld>
-</file>
-
-<file path=ppt/slides/slide2.xml><?xml version="1.0" encoding="utf-8"?>
-<p:sld xmlns:a="http://schemas.openxmlformats.org/drawingml/2006/main" xmlns:r="http://schemas.openxmlformats.org/officeDocument/2006/relationships" xmlns:p="http://schemas.openxmlformats.org/presentationml/2006/main">
-  <p:cSld>
-    <p:spTree>
-      <p:nvGrpSpPr>
-        <p:cNvPr id="1" name=""/>
-        <p:cNvGrpSpPr/>
-        <p:nvPr/>
-      </p:nvGrpSpPr>
-      <p:grpSpPr>
-        <a:xfrm>
-          <a:off x="0" y="0"/>
-          <a:ext cx="0" cy="0"/>
-          <a:chOff x="0" y="0"/>
-          <a:chExt cx="0" cy="0"/>
-        </a:xfrm>
-      </p:grpSpPr>
-      <p:sp>
-        <p:nvSpPr>
-          <p:cNvPr id="6" name="제목 5">
-            <a:extLst>
-              <a:ext uri="{FF2B5EF4-FFF2-40B4-BE49-F238E27FC236}">
-                <a16:creationId xmlns:a16="http://schemas.microsoft.com/office/drawing/2014/main" id="{E9D10285-6468-4D47-8A41-B69FB919450C}"/>
-              </a:ext>
-            </a:extLst>
-          </p:cNvPr>
-          <p:cNvSpPr>
-            <a:spLocks noGrp="1"/>
-          </p:cNvSpPr>
-          <p:nvPr>
-            <p:ph type="title"/>
-          </p:nvPr>
-        </p:nvSpPr>
-        <p:spPr/>
-        <p:txBody>
-          <a:bodyPr/>
-          <a:lstStyle/>
-          <a:p>
-            <a:r>
-              <a:rPr lang="en-US" altLang="ko-Kore-KR" dirty="0"/>
-              <a:t>Introduction</a:t>
-            </a:r>
-            <a:endParaRPr lang="ko-Kore-KR" altLang="en-US" dirty="0"/>
-          </a:p>
-        </p:txBody>
-      </p:sp>
-      <p:sp>
-        <p:nvSpPr>
-          <p:cNvPr id="7" name="TextBox 6">
-            <a:extLst>
-              <a:ext uri="{FF2B5EF4-FFF2-40B4-BE49-F238E27FC236}">
-                <a16:creationId xmlns:a16="http://schemas.microsoft.com/office/drawing/2014/main" id="{A4F422C8-B5D3-6F4B-9DBB-2FF85E473381}"/>
-              </a:ext>
-            </a:extLst>
-          </p:cNvPr>
-          <p:cNvSpPr txBox="1"/>
-          <p:nvPr/>
-        </p:nvSpPr>
-        <p:spPr>
-          <a:xfrm>
-            <a:off x="4890500" y="2136338"/>
-            <a:ext cx="6298058" cy="2585323"/>
-          </a:xfrm>
-          <a:prstGeom prst="rect">
-            <a:avLst/>
-          </a:prstGeom>
-          <a:noFill/>
-        </p:spPr>
-        <p:txBody>
-          <a:bodyPr wrap="square" rtlCol="0">
-            <a:spAutoFit/>
-          </a:bodyPr>
-          <a:lstStyle/>
-          <a:p>
-            <a:r>
-              <a:rPr kumimoji="1" lang="ko-KR" altLang="en-US" dirty="0"/>
-              <a:t>안녕하십니까</a:t>
-            </a:r>
-            <a:r>
-              <a:rPr kumimoji="1" lang="en-US" altLang="ko-KR" dirty="0"/>
-              <a:t>!</a:t>
-            </a:r>
-          </a:p>
-          <a:p>
-            <a:r>
-              <a:rPr kumimoji="1" lang="ko-KR" altLang="en-US" dirty="0"/>
-              <a:t>현재 저희는 </a:t>
-            </a:r>
-            <a:r>
-              <a:rPr kumimoji="1" lang="ko-KR" altLang="en-US" dirty="0" err="1"/>
-              <a:t>딥러닝기반</a:t>
-            </a:r>
-            <a:r>
-              <a:rPr kumimoji="1" lang="ko-KR" altLang="en-US" dirty="0"/>
-              <a:t> </a:t>
-            </a:r>
-            <a:r>
-              <a:rPr kumimoji="1" lang="en-US" altLang="ko-KR" dirty="0"/>
-              <a:t>AI</a:t>
-            </a:r>
-            <a:r>
-              <a:rPr kumimoji="1" lang="ko-KR" altLang="en-US" dirty="0"/>
-              <a:t> 엔지니어링 취업특강을 수강중인</a:t>
-            </a:r>
-            <a:r>
-              <a:rPr kumimoji="1" lang="en-US" altLang="ko-KR" dirty="0"/>
-              <a:t>,</a:t>
-            </a:r>
-            <a:r>
-              <a:rPr kumimoji="1" lang="ko-KR" altLang="en-US" dirty="0"/>
-              <a:t> 박희원</a:t>
-            </a:r>
-            <a:r>
-              <a:rPr kumimoji="1" lang="en-US" altLang="ko-KR" dirty="0"/>
-              <a:t>,</a:t>
-            </a:r>
-            <a:r>
-              <a:rPr kumimoji="1" lang="ko-KR" altLang="en-US" dirty="0"/>
-              <a:t> </a:t>
-            </a:r>
-            <a:r>
-              <a:rPr kumimoji="1" lang="ko-KR" altLang="en-US" dirty="0" err="1"/>
-              <a:t>이찬주</a:t>
-            </a:r>
-            <a:r>
-              <a:rPr kumimoji="1" lang="en-US" altLang="ko-KR" dirty="0"/>
-              <a:t>,</a:t>
-            </a:r>
-            <a:r>
-              <a:rPr kumimoji="1" lang="ko-KR" altLang="en-US" dirty="0"/>
-              <a:t> 김진원</a:t>
-            </a:r>
-            <a:r>
-              <a:rPr kumimoji="1" lang="en-US" altLang="ko-KR" dirty="0"/>
-              <a:t>,</a:t>
-            </a:r>
-            <a:r>
-              <a:rPr kumimoji="1" lang="ko-KR" altLang="en-US" dirty="0"/>
-              <a:t> 조원우 입니다</a:t>
-            </a:r>
-            <a:r>
-              <a:rPr kumimoji="1" lang="en-US" altLang="ko-KR" dirty="0"/>
-              <a:t>.</a:t>
-            </a:r>
-          </a:p>
-          <a:p>
-            <a:endParaRPr kumimoji="1" lang="en-US" altLang="ko-Kore-KR" dirty="0"/>
-          </a:p>
-          <a:p>
-            <a:r>
-              <a:rPr kumimoji="1" lang="ko-KR" altLang="en-US" dirty="0"/>
-              <a:t>아직 과정 중에 있지만</a:t>
-            </a:r>
-            <a:r>
-              <a:rPr kumimoji="1" lang="en-US" altLang="ko-KR" dirty="0"/>
-              <a:t>,</a:t>
-            </a:r>
-            <a:r>
-              <a:rPr kumimoji="1" lang="ko-KR" altLang="en-US" dirty="0"/>
-              <a:t>  이번에 배운 지식들을 이용하여 과제를 해결해 보기 위해 도전 하였습니다</a:t>
-            </a:r>
-            <a:r>
-              <a:rPr kumimoji="1" lang="en-US" altLang="ko-KR" dirty="0"/>
-              <a:t>.</a:t>
-            </a:r>
-          </a:p>
-          <a:p>
-            <a:endParaRPr kumimoji="1" lang="en-US" altLang="ko-KR" dirty="0"/>
-          </a:p>
-          <a:p>
-            <a:r>
-              <a:rPr kumimoji="1" lang="ko-KR" altLang="en-US" dirty="0"/>
-              <a:t>이 결과물이 앞으로 더 좋은 결과를 산출하기 위한 참고자료로 사용되었으면 하는 바램입니다</a:t>
-            </a:r>
-            <a:r>
-              <a:rPr kumimoji="1" lang="en-US" altLang="ko-KR" dirty="0"/>
-              <a:t>.</a:t>
-            </a:r>
-          </a:p>
-        </p:txBody>
-      </p:sp>
-    </p:spTree>
-    <p:extLst>
-      <p:ext uri="{BB962C8B-B14F-4D97-AF65-F5344CB8AC3E}">
-        <p14:creationId xmlns:p14="http://schemas.microsoft.com/office/powerpoint/2010/main" val="3825653944"/>
-      </p:ext>
-    </p:extLst>
-  </p:cSld>
-  <p:clrMapOvr>
-    <a:masterClrMapping/>
-  </p:clrMapOvr>
-</p:sld>
-</file>
-
-<file path=ppt/slides/slide3.xml><?xml version="1.0" encoding="utf-8"?>
-<p:sld xmlns:a="http://schemas.openxmlformats.org/drawingml/2006/main" xmlns:r="http://schemas.openxmlformats.org/officeDocument/2006/relationships" xmlns:p="http://schemas.openxmlformats.org/presentationml/2006/main">
-  <p:cSld>
-    <p:spTree>
-      <p:nvGrpSpPr>
-        <p:cNvPr id="1" name=""/>
-        <p:cNvGrpSpPr/>
-        <p:nvPr/>
-      </p:nvGrpSpPr>
-      <p:grpSpPr>
-        <a:xfrm>
-          <a:off x="0" y="0"/>
-          <a:ext cx="0" cy="0"/>
-          <a:chOff x="0" y="0"/>
-          <a:chExt cx="0" cy="0"/>
-        </a:xfrm>
-      </p:grpSpPr>
-      <p:sp>
-        <p:nvSpPr>
-          <p:cNvPr id="2" name="제목 1">
-            <a:extLst>
-              <a:ext uri="{FF2B5EF4-FFF2-40B4-BE49-F238E27FC236}">
-                <a16:creationId xmlns:a16="http://schemas.microsoft.com/office/drawing/2014/main" id="{E78E4BEC-6CA8-FF49-9D0B-1AAC9FBA204A}"/>
-              </a:ext>
-            </a:extLst>
-          </p:cNvPr>
-          <p:cNvSpPr>
-            <a:spLocks noGrp="1"/>
-          </p:cNvSpPr>
-          <p:nvPr>
-            <p:ph type="title"/>
-          </p:nvPr>
-        </p:nvSpPr>
-        <p:spPr/>
-        <p:txBody>
-          <a:bodyPr/>
-          <a:lstStyle/>
-          <a:p>
-            <a:r>
-              <a:rPr lang="ko-KR" altLang="en-US" dirty="0" err="1"/>
-              <a:t>내부요인</a:t>
-            </a:r>
-            <a:endParaRPr lang="ko-Kore-KR" altLang="en-US" dirty="0"/>
-          </a:p>
-        </p:txBody>
-      </p:sp>
-      <p:sp>
-        <p:nvSpPr>
-          <p:cNvPr id="3" name="TextBox 2">
-            <a:extLst>
-              <a:ext uri="{FF2B5EF4-FFF2-40B4-BE49-F238E27FC236}">
-                <a16:creationId xmlns:a16="http://schemas.microsoft.com/office/drawing/2014/main" id="{6527C0CD-0D27-0A41-B54D-B4D90D661C13}"/>
-              </a:ext>
-            </a:extLst>
-          </p:cNvPr>
-          <p:cNvSpPr txBox="1"/>
-          <p:nvPr/>
-        </p:nvSpPr>
-        <p:spPr>
-          <a:xfrm>
-            <a:off x="1322940" y="1767156"/>
-            <a:ext cx="2632580" cy="369332"/>
-          </a:xfrm>
-          <a:prstGeom prst="rect">
-            <a:avLst/>
-          </a:prstGeom>
-          <a:noFill/>
-        </p:spPr>
-        <p:txBody>
-          <a:bodyPr wrap="none" rtlCol="0">
-            <a:spAutoFit/>
-          </a:bodyPr>
-          <a:lstStyle/>
-          <a:p>
-            <a:r>
-              <a:rPr kumimoji="1" lang="ko-Kore-KR" altLang="en-US" dirty="0">
-                <a:solidFill>
-                  <a:schemeClr val="bg1"/>
-                </a:solidFill>
-              </a:rPr>
-              <a:t>전처리</a:t>
-            </a:r>
-            <a:r>
-              <a:rPr kumimoji="1" lang="ko-KR" altLang="en-US" dirty="0">
-                <a:solidFill>
-                  <a:schemeClr val="bg1"/>
-                </a:solidFill>
-              </a:rPr>
-              <a:t> </a:t>
-            </a:r>
-            <a:r>
-              <a:rPr kumimoji="1" lang="en-US" altLang="ko-KR" dirty="0">
-                <a:solidFill>
-                  <a:schemeClr val="bg1"/>
-                </a:solidFill>
-              </a:rPr>
-              <a:t>(Preprocessing)</a:t>
-            </a:r>
-            <a:endParaRPr kumimoji="1" lang="ko-Kore-KR" altLang="en-US" dirty="0">
-              <a:solidFill>
-                <a:schemeClr val="bg1"/>
-              </a:solidFill>
-            </a:endParaRPr>
-          </a:p>
-        </p:txBody>
-      </p:sp>
-      <p:sp>
-        <p:nvSpPr>
-          <p:cNvPr id="4" name="TextBox 3">
-            <a:extLst>
-              <a:ext uri="{FF2B5EF4-FFF2-40B4-BE49-F238E27FC236}">
-                <a16:creationId xmlns:a16="http://schemas.microsoft.com/office/drawing/2014/main" id="{2311F050-01E3-D94B-9B1C-38FE1ACF0EA9}"/>
-              </a:ext>
-            </a:extLst>
-          </p:cNvPr>
-          <p:cNvSpPr txBox="1"/>
-          <p:nvPr/>
-        </p:nvSpPr>
-        <p:spPr>
-          <a:xfrm>
-            <a:off x="5024063" y="1294544"/>
-            <a:ext cx="2185214" cy="369332"/>
-          </a:xfrm>
-          <a:prstGeom prst="rect">
-            <a:avLst/>
-          </a:prstGeom>
-          <a:noFill/>
-        </p:spPr>
-        <p:txBody>
-          <a:bodyPr wrap="none" rtlCol="0">
-            <a:spAutoFit/>
-          </a:bodyPr>
-          <a:lstStyle/>
-          <a:p>
-            <a:r>
-              <a:rPr kumimoji="1" lang="en-US" altLang="ko-Kore-KR" dirty="0"/>
-              <a:t>2</a:t>
-            </a:r>
-            <a:r>
-              <a:rPr kumimoji="1" lang="en-US" altLang="ko-KR" dirty="0"/>
-              <a:t>019</a:t>
-            </a:r>
-            <a:r>
-              <a:rPr kumimoji="1" lang="ko-KR" altLang="en-US" dirty="0"/>
-              <a:t>년 판매 데이터</a:t>
-            </a:r>
-            <a:endParaRPr kumimoji="1" lang="ko-Kore-KR" altLang="en-US" dirty="0"/>
-          </a:p>
-        </p:txBody>
-      </p:sp>
-    </p:spTree>
-    <p:extLst>
-      <p:ext uri="{BB962C8B-B14F-4D97-AF65-F5344CB8AC3E}">
-        <p14:creationId xmlns:p14="http://schemas.microsoft.com/office/powerpoint/2010/main" val="1378157207"/>
-      </p:ext>
-    </p:extLst>
-  </p:cSld>
-  <p:clrMapOvr>
-    <a:masterClrMapping/>
-  </p:clrMapOvr>
-</p:sld>
-</file>
-
-<file path=ppt/slides/slide4.xml><?xml version="1.0" encoding="utf-8"?>
-<p:sld xmlns:a="http://schemas.openxmlformats.org/drawingml/2006/main" xmlns:r="http://schemas.openxmlformats.org/officeDocument/2006/relationships" xmlns:p="http://schemas.openxmlformats.org/presentationml/2006/main">
-  <p:cSld>
-    <p:spTree>
-      <p:nvGrpSpPr>
-        <p:cNvPr id="1" name=""/>
-        <p:cNvGrpSpPr/>
-        <p:nvPr/>
-      </p:nvGrpSpPr>
-      <p:grpSpPr>
-        <a:xfrm>
-          <a:off x="0" y="0"/>
-          <a:ext cx="0" cy="0"/>
-          <a:chOff x="0" y="0"/>
-          <a:chExt cx="0" cy="0"/>
-        </a:xfrm>
-      </p:grpSpPr>
-      <p:sp>
-        <p:nvSpPr>
-          <p:cNvPr id="2" name="제목 1">
-            <a:extLst>
-              <a:ext uri="{FF2B5EF4-FFF2-40B4-BE49-F238E27FC236}">
-                <a16:creationId xmlns:a16="http://schemas.microsoft.com/office/drawing/2014/main" id="{B0757683-B82E-9448-886F-1CA531797779}"/>
-              </a:ext>
-            </a:extLst>
-          </p:cNvPr>
-          <p:cNvSpPr>
-            <a:spLocks noGrp="1"/>
-          </p:cNvSpPr>
-          <p:nvPr>
-            <p:ph type="title"/>
-          </p:nvPr>
-        </p:nvSpPr>
-        <p:spPr/>
-        <p:txBody>
-          <a:bodyPr/>
-          <a:lstStyle/>
-          <a:p>
-            <a:r>
-              <a:rPr lang="ko-Kore-KR" altLang="en-US" dirty="0"/>
-              <a:t>외부요인</a:t>
-            </a:r>
-          </a:p>
-        </p:txBody>
-      </p:sp>
-      <p:sp>
-        <p:nvSpPr>
-          <p:cNvPr id="3" name="TextBox 2">
-            <a:extLst>
-              <a:ext uri="{FF2B5EF4-FFF2-40B4-BE49-F238E27FC236}">
-                <a16:creationId xmlns:a16="http://schemas.microsoft.com/office/drawing/2014/main" id="{8069E10A-F3CE-B841-9A77-09F21926A831}"/>
-              </a:ext>
-            </a:extLst>
-          </p:cNvPr>
-          <p:cNvSpPr txBox="1"/>
-          <p:nvPr/>
-        </p:nvSpPr>
-        <p:spPr>
-          <a:xfrm>
-            <a:off x="1322940" y="1767156"/>
-            <a:ext cx="2632580" cy="369332"/>
-          </a:xfrm>
-          <a:prstGeom prst="rect">
-            <a:avLst/>
-          </a:prstGeom>
-          <a:noFill/>
-        </p:spPr>
-        <p:txBody>
-          <a:bodyPr wrap="none" rtlCol="0">
-            <a:spAutoFit/>
-          </a:bodyPr>
-          <a:lstStyle/>
-          <a:p>
-            <a:r>
-              <a:rPr kumimoji="1" lang="ko-Kore-KR" altLang="en-US" dirty="0">
-                <a:solidFill>
-                  <a:schemeClr val="bg1"/>
-                </a:solidFill>
-              </a:rPr>
-              <a:t>전처리</a:t>
-            </a:r>
-            <a:r>
-              <a:rPr kumimoji="1" lang="ko-KR" altLang="en-US" dirty="0">
-                <a:solidFill>
-                  <a:schemeClr val="bg1"/>
-                </a:solidFill>
-              </a:rPr>
-              <a:t> </a:t>
-            </a:r>
-            <a:r>
-              <a:rPr kumimoji="1" lang="en-US" altLang="ko-KR" dirty="0">
-                <a:solidFill>
-                  <a:schemeClr val="bg1"/>
-                </a:solidFill>
-              </a:rPr>
-              <a:t>(Preprocessing)</a:t>
-            </a:r>
-            <a:endParaRPr kumimoji="1" lang="ko-Kore-KR" altLang="en-US" dirty="0">
-              <a:solidFill>
-                <a:schemeClr val="bg1"/>
-              </a:solidFill>
-            </a:endParaRPr>
-          </a:p>
-        </p:txBody>
-      </p:sp>
-      <p:sp>
-        <p:nvSpPr>
-          <p:cNvPr id="4" name="TextBox 3">
-            <a:extLst>
-              <a:ext uri="{FF2B5EF4-FFF2-40B4-BE49-F238E27FC236}">
-                <a16:creationId xmlns:a16="http://schemas.microsoft.com/office/drawing/2014/main" id="{969B864E-B0A7-AA4A-A02B-107CDDA3D861}"/>
-              </a:ext>
-            </a:extLst>
-          </p:cNvPr>
-          <p:cNvSpPr txBox="1"/>
-          <p:nvPr/>
-        </p:nvSpPr>
-        <p:spPr>
-          <a:xfrm>
-            <a:off x="5147353" y="1458930"/>
-            <a:ext cx="2935419" cy="338554"/>
-          </a:xfrm>
-          <a:prstGeom prst="rect">
-            <a:avLst/>
-          </a:prstGeom>
-          <a:noFill/>
-        </p:spPr>
-        <p:txBody>
-          <a:bodyPr wrap="none" rtlCol="0">
-            <a:spAutoFit/>
-          </a:bodyPr>
-          <a:lstStyle/>
-          <a:p>
-            <a:r>
-              <a:rPr kumimoji="1" lang="ko-Kore-KR" altLang="en-US" sz="1600" dirty="0">
-                <a:latin typeface="Arial" panose="020B0604020202020204" pitchFamily="34" charset="0"/>
-                <a:cs typeface="Arial" panose="020B0604020202020204" pitchFamily="34" charset="0"/>
-              </a:rPr>
-              <a:t>계절</a:t>
-            </a:r>
-            <a:r>
-              <a:rPr kumimoji="1" lang="en-US" altLang="ko-Kore-KR" sz="1600" dirty="0">
-                <a:latin typeface="Arial" panose="020B0604020202020204" pitchFamily="34" charset="0"/>
-                <a:cs typeface="Arial" panose="020B0604020202020204" pitchFamily="34" charset="0"/>
-              </a:rPr>
-              <a:t>,</a:t>
-            </a:r>
-            <a:r>
-              <a:rPr kumimoji="1" lang="ko-KR" altLang="en-US" sz="1600" dirty="0">
-                <a:latin typeface="Arial" panose="020B0604020202020204" pitchFamily="34" charset="0"/>
-                <a:cs typeface="Arial" panose="020B0604020202020204" pitchFamily="34" charset="0"/>
-              </a:rPr>
-              <a:t> 시청률</a:t>
-            </a:r>
-            <a:r>
-              <a:rPr kumimoji="1" lang="en-US" altLang="ko-KR" sz="1600" dirty="0">
-                <a:latin typeface="Arial" panose="020B0604020202020204" pitchFamily="34" charset="0"/>
-                <a:cs typeface="Arial" panose="020B0604020202020204" pitchFamily="34" charset="0"/>
-              </a:rPr>
-              <a:t>,</a:t>
-            </a:r>
-            <a:r>
-              <a:rPr kumimoji="1" lang="ko-KR" altLang="en-US" sz="1600" dirty="0">
-                <a:latin typeface="Arial" panose="020B0604020202020204" pitchFamily="34" charset="0"/>
-                <a:cs typeface="Arial" panose="020B0604020202020204" pitchFamily="34" charset="0"/>
-              </a:rPr>
-              <a:t> 소비자 </a:t>
-            </a:r>
-            <a:r>
-              <a:rPr kumimoji="1" lang="ko-KR" altLang="en-US" sz="1600" dirty="0" err="1">
-                <a:latin typeface="Arial" panose="020B0604020202020204" pitchFamily="34" charset="0"/>
-                <a:cs typeface="Arial" panose="020B0604020202020204" pitchFamily="34" charset="0"/>
-              </a:rPr>
-              <a:t>심리지수</a:t>
-            </a:r>
-            <a:endParaRPr kumimoji="1" lang="ko-Kore-KR" altLang="en-US" sz="1600" dirty="0">
-              <a:latin typeface="Arial" panose="020B0604020202020204" pitchFamily="34" charset="0"/>
-              <a:cs typeface="Arial" panose="020B0604020202020204" pitchFamily="34" charset="0"/>
-            </a:endParaRPr>
-          </a:p>
-        </p:txBody>
-      </p:sp>
-    </p:spTree>
-    <p:extLst>
-      <p:ext uri="{BB962C8B-B14F-4D97-AF65-F5344CB8AC3E}">
-        <p14:creationId xmlns:p14="http://schemas.microsoft.com/office/powerpoint/2010/main" val="339051762"/>
-      </p:ext>
-    </p:extLst>
-  </p:cSld>
-  <p:clrMapOvr>
-    <a:masterClrMapping/>
-  </p:clrMapOvr>
-</p:sld>
-</file>
-
-<file path=ppt/slides/slide5.xml><?xml version="1.0" encoding="utf-8"?>
-<p:sld xmlns:a="http://schemas.openxmlformats.org/drawingml/2006/main" xmlns:r="http://schemas.openxmlformats.org/officeDocument/2006/relationships" xmlns:p="http://schemas.openxmlformats.org/presentationml/2006/main">
-  <p:cSld>
-    <p:spTree>
-      <p:nvGrpSpPr>
-        <p:cNvPr id="1" name=""/>
-        <p:cNvGrpSpPr/>
-        <p:nvPr/>
-      </p:nvGrpSpPr>
-      <p:grpSpPr>
-        <a:xfrm>
-          <a:off x="0" y="0"/>
-          <a:ext cx="0" cy="0"/>
-          <a:chOff x="0" y="0"/>
-          <a:chExt cx="0" cy="0"/>
-        </a:xfrm>
-      </p:grpSpPr>
-      <p:sp>
-        <p:nvSpPr>
-          <p:cNvPr id="2" name="제목 1">
-            <a:extLst>
-              <a:ext uri="{FF2B5EF4-FFF2-40B4-BE49-F238E27FC236}">
                 <a16:creationId xmlns:a16="http://schemas.microsoft.com/office/drawing/2014/main" id="{16A4E286-0BD7-3C40-B98F-86AFBD1279BD}"/>
               </a:ext>
             </a:extLst>
@@ -16630,6 +15803,588 @@
           </a:p>
         </p:txBody>
       </p:sp>
+      <p:pic>
+        <p:nvPicPr>
+          <p:cNvPr id="3" name="그림 2">
+            <a:extLst>
+              <a:ext uri="{FF2B5EF4-FFF2-40B4-BE49-F238E27FC236}">
+                <a16:creationId xmlns:a16="http://schemas.microsoft.com/office/drawing/2014/main" id="{D12835DE-C529-48E8-8BB9-3A4BCCA5AD32}"/>
+              </a:ext>
+            </a:extLst>
+          </p:cNvPr>
+          <p:cNvPicPr>
+            <a:picLocks noChangeAspect="1"/>
+          </p:cNvPicPr>
+          <p:nvPr/>
+        </p:nvPicPr>
+        <p:blipFill>
+          <a:blip r:embed="rId2"/>
+          <a:stretch>
+            <a:fillRect/>
+          </a:stretch>
+        </p:blipFill>
+        <p:spPr>
+          <a:xfrm>
+            <a:off x="5491748" y="1313284"/>
+            <a:ext cx="2324645" cy="2413110"/>
+          </a:xfrm>
+          <a:prstGeom prst="rect">
+            <a:avLst/>
+          </a:prstGeom>
+        </p:spPr>
+      </p:pic>
+      <p:pic>
+        <p:nvPicPr>
+          <p:cNvPr id="4" name="그림 3">
+            <a:extLst>
+              <a:ext uri="{FF2B5EF4-FFF2-40B4-BE49-F238E27FC236}">
+                <a16:creationId xmlns:a16="http://schemas.microsoft.com/office/drawing/2014/main" id="{E5D95664-70A7-48CB-B35F-93872B3B2165}"/>
+              </a:ext>
+            </a:extLst>
+          </p:cNvPr>
+          <p:cNvPicPr>
+            <a:picLocks noChangeAspect="1"/>
+          </p:cNvPicPr>
+          <p:nvPr/>
+        </p:nvPicPr>
+        <p:blipFill>
+          <a:blip r:embed="rId3"/>
+          <a:stretch>
+            <a:fillRect/>
+          </a:stretch>
+        </p:blipFill>
+        <p:spPr>
+          <a:xfrm>
+            <a:off x="8086496" y="1294235"/>
+            <a:ext cx="2324646" cy="2319700"/>
+          </a:xfrm>
+          <a:prstGeom prst="rect">
+            <a:avLst/>
+          </a:prstGeom>
+        </p:spPr>
+      </p:pic>
+      <p:pic>
+        <p:nvPicPr>
+          <p:cNvPr id="8" name="그림 7">
+            <a:extLst>
+              <a:ext uri="{FF2B5EF4-FFF2-40B4-BE49-F238E27FC236}">
+                <a16:creationId xmlns:a16="http://schemas.microsoft.com/office/drawing/2014/main" id="{1359DCAB-8775-4025-8821-1FCD3EF68F7E}"/>
+              </a:ext>
+            </a:extLst>
+          </p:cNvPr>
+          <p:cNvPicPr>
+            <a:picLocks noChangeAspect="1"/>
+          </p:cNvPicPr>
+          <p:nvPr/>
+        </p:nvPicPr>
+        <p:blipFill>
+          <a:blip r:embed="rId4"/>
+          <a:stretch>
+            <a:fillRect/>
+          </a:stretch>
+        </p:blipFill>
+        <p:spPr>
+          <a:xfrm>
+            <a:off x="11786010" y="1064507"/>
+            <a:ext cx="405989" cy="3741860"/>
+          </a:xfrm>
+          <a:prstGeom prst="rect">
+            <a:avLst/>
+          </a:prstGeom>
+        </p:spPr>
+      </p:pic>
+      <p:sp>
+        <p:nvSpPr>
+          <p:cNvPr id="9" name="TextBox 8">
+            <a:extLst>
+              <a:ext uri="{FF2B5EF4-FFF2-40B4-BE49-F238E27FC236}">
+                <a16:creationId xmlns:a16="http://schemas.microsoft.com/office/drawing/2014/main" id="{54524738-2065-489A-8F12-7B1400FD054F}"/>
+              </a:ext>
+            </a:extLst>
+          </p:cNvPr>
+          <p:cNvSpPr txBox="1"/>
+          <p:nvPr/>
+        </p:nvSpPr>
+        <p:spPr>
+          <a:xfrm>
+            <a:off x="5010701" y="435156"/>
+            <a:ext cx="6298058" cy="369332"/>
+          </a:xfrm>
+          <a:prstGeom prst="rect">
+            <a:avLst/>
+          </a:prstGeom>
+          <a:noFill/>
+        </p:spPr>
+        <p:txBody>
+          <a:bodyPr wrap="square" rtlCol="0">
+            <a:spAutoFit/>
+          </a:bodyPr>
+          <a:lstStyle/>
+          <a:p>
+            <a:r>
+              <a:rPr kumimoji="1" lang="ko-KR" altLang="en-US" dirty="0"/>
+              <a:t>피처는 취급액과 </a:t>
+            </a:r>
+            <a:r>
+              <a:rPr kumimoji="1" lang="en-US" altLang="ko-KR" dirty="0" err="1"/>
+              <a:t>corr</a:t>
+            </a:r>
+            <a:r>
+              <a:rPr kumimoji="1" lang="en-US" altLang="ko-KR" dirty="0"/>
+              <a:t>()</a:t>
+            </a:r>
+            <a:r>
+              <a:rPr kumimoji="1" lang="ko-KR" altLang="en-US" dirty="0"/>
+              <a:t>의 값이 </a:t>
+            </a:r>
+            <a:r>
+              <a:rPr kumimoji="1" lang="en-US" altLang="ko-KR" dirty="0"/>
+              <a:t>0.01 </a:t>
+            </a:r>
+            <a:r>
+              <a:rPr kumimoji="1" lang="ko-KR" altLang="en-US" dirty="0"/>
+              <a:t>이상인 값들만 활용함</a:t>
+            </a:r>
+            <a:r>
+              <a:rPr kumimoji="1" lang="en-US" altLang="ko-KR" dirty="0"/>
+              <a:t>.</a:t>
+            </a:r>
+          </a:p>
+        </p:txBody>
+      </p:sp>
+      <p:sp>
+        <p:nvSpPr>
+          <p:cNvPr id="10" name="직사각형 9">
+            <a:extLst>
+              <a:ext uri="{FF2B5EF4-FFF2-40B4-BE49-F238E27FC236}">
+                <a16:creationId xmlns:a16="http://schemas.microsoft.com/office/drawing/2014/main" id="{192F3DAB-9969-43CE-8A4B-C7580DD1AFE9}"/>
+              </a:ext>
+            </a:extLst>
+          </p:cNvPr>
+          <p:cNvSpPr/>
+          <p:nvPr/>
+        </p:nvSpPr>
+        <p:spPr>
+          <a:xfrm>
+            <a:off x="5564981" y="1313285"/>
+            <a:ext cx="2251412" cy="369332"/>
+          </a:xfrm>
+          <a:prstGeom prst="rect">
+            <a:avLst/>
+          </a:prstGeom>
+          <a:noFill/>
+          <a:ln w="38100">
+            <a:solidFill>
+              <a:srgbClr val="FF0000"/>
+            </a:solidFill>
+          </a:ln>
+        </p:spPr>
+        <p:style>
+          <a:lnRef idx="2">
+            <a:schemeClr val="accent1">
+              <a:shade val="50000"/>
+            </a:schemeClr>
+          </a:lnRef>
+          <a:fillRef idx="1">
+            <a:schemeClr val="accent1"/>
+          </a:fillRef>
+          <a:effectRef idx="0">
+            <a:schemeClr val="accent1"/>
+          </a:effectRef>
+          <a:fontRef idx="minor">
+            <a:schemeClr val="lt1"/>
+          </a:fontRef>
+        </p:style>
+        <p:txBody>
+          <a:bodyPr rtlCol="0" anchor="ctr"/>
+          <a:lstStyle/>
+          <a:p>
+            <a:pPr algn="ctr"/>
+            <a:endParaRPr lang="ko-KR" altLang="en-US"/>
+          </a:p>
+        </p:txBody>
+      </p:sp>
+      <p:pic>
+        <p:nvPicPr>
+          <p:cNvPr id="11" name="그림 10">
+            <a:extLst>
+              <a:ext uri="{FF2B5EF4-FFF2-40B4-BE49-F238E27FC236}">
+                <a16:creationId xmlns:a16="http://schemas.microsoft.com/office/drawing/2014/main" id="{BD697C86-C88D-4417-BB91-106644971D0F}"/>
+              </a:ext>
+            </a:extLst>
+          </p:cNvPr>
+          <p:cNvPicPr>
+            <a:picLocks noChangeAspect="1"/>
+          </p:cNvPicPr>
+          <p:nvPr/>
+        </p:nvPicPr>
+        <p:blipFill rotWithShape="1">
+          <a:blip r:embed="rId2"/>
+          <a:srcRect l="4202" t="1095" r="1123" b="85791"/>
+          <a:stretch/>
+        </p:blipFill>
+        <p:spPr>
+          <a:xfrm>
+            <a:off x="2905642" y="4974740"/>
+            <a:ext cx="4549213" cy="654103"/>
+          </a:xfrm>
+          <a:prstGeom prst="rect">
+            <a:avLst/>
+          </a:prstGeom>
+        </p:spPr>
+      </p:pic>
+      <p:cxnSp>
+        <p:nvCxnSpPr>
+          <p:cNvPr id="13" name="직선 화살표 연결선 12">
+            <a:extLst>
+              <a:ext uri="{FF2B5EF4-FFF2-40B4-BE49-F238E27FC236}">
+                <a16:creationId xmlns:a16="http://schemas.microsoft.com/office/drawing/2014/main" id="{8533324C-7EFE-46E8-87C1-CBEAEEFBED26}"/>
+              </a:ext>
+            </a:extLst>
+          </p:cNvPr>
+          <p:cNvCxnSpPr>
+            <a:cxnSpLocks/>
+          </p:cNvCxnSpPr>
+          <p:nvPr/>
+        </p:nvCxnSpPr>
+        <p:spPr>
+          <a:xfrm>
+            <a:off x="6690687" y="1682617"/>
+            <a:ext cx="20941" cy="3270383"/>
+          </a:xfrm>
+          <a:prstGeom prst="straightConnector1">
+            <a:avLst/>
+          </a:prstGeom>
+          <a:ln w="38100">
+            <a:headEnd w="lg" len="lg"/>
+            <a:tailEnd type="triangle" w="lg" len="lg"/>
+          </a:ln>
+        </p:spPr>
+        <p:style>
+          <a:lnRef idx="1">
+            <a:schemeClr val="accent1"/>
+          </a:lnRef>
+          <a:fillRef idx="0">
+            <a:schemeClr val="accent1"/>
+          </a:fillRef>
+          <a:effectRef idx="0">
+            <a:schemeClr val="accent1"/>
+          </a:effectRef>
+          <a:fontRef idx="minor">
+            <a:schemeClr val="tx1"/>
+          </a:fontRef>
+        </p:style>
+      </p:cxnSp>
+      <p:sp>
+        <p:nvSpPr>
+          <p:cNvPr id="15" name="직사각형 14">
+            <a:extLst>
+              <a:ext uri="{FF2B5EF4-FFF2-40B4-BE49-F238E27FC236}">
+                <a16:creationId xmlns:a16="http://schemas.microsoft.com/office/drawing/2014/main" id="{2136FC7D-070B-4D34-B3BE-68B85EA0A6BF}"/>
+              </a:ext>
+            </a:extLst>
+          </p:cNvPr>
+          <p:cNvSpPr/>
+          <p:nvPr/>
+        </p:nvSpPr>
+        <p:spPr>
+          <a:xfrm>
+            <a:off x="8159730" y="1313285"/>
+            <a:ext cx="2251412" cy="275009"/>
+          </a:xfrm>
+          <a:prstGeom prst="rect">
+            <a:avLst/>
+          </a:prstGeom>
+          <a:noFill/>
+          <a:ln w="38100">
+            <a:solidFill>
+              <a:srgbClr val="FF0000"/>
+            </a:solidFill>
+          </a:ln>
+        </p:spPr>
+        <p:style>
+          <a:lnRef idx="2">
+            <a:schemeClr val="accent1">
+              <a:shade val="50000"/>
+            </a:schemeClr>
+          </a:lnRef>
+          <a:fillRef idx="1">
+            <a:schemeClr val="accent1"/>
+          </a:fillRef>
+          <a:effectRef idx="0">
+            <a:schemeClr val="accent1"/>
+          </a:effectRef>
+          <a:fontRef idx="minor">
+            <a:schemeClr val="lt1"/>
+          </a:fontRef>
+        </p:style>
+        <p:txBody>
+          <a:bodyPr rtlCol="0" anchor="ctr"/>
+          <a:lstStyle/>
+          <a:p>
+            <a:pPr algn="ctr"/>
+            <a:endParaRPr lang="ko-KR" altLang="en-US"/>
+          </a:p>
+        </p:txBody>
+      </p:sp>
+      <p:cxnSp>
+        <p:nvCxnSpPr>
+          <p:cNvPr id="16" name="직선 화살표 연결선 15">
+            <a:extLst>
+              <a:ext uri="{FF2B5EF4-FFF2-40B4-BE49-F238E27FC236}">
+                <a16:creationId xmlns:a16="http://schemas.microsoft.com/office/drawing/2014/main" id="{E7BE183E-6FB4-4DF6-AC45-4D77455D129A}"/>
+              </a:ext>
+            </a:extLst>
+          </p:cNvPr>
+          <p:cNvCxnSpPr>
+            <a:cxnSpLocks/>
+          </p:cNvCxnSpPr>
+          <p:nvPr/>
+        </p:nvCxnSpPr>
+        <p:spPr>
+          <a:xfrm>
+            <a:off x="9285436" y="1607344"/>
+            <a:ext cx="20941" cy="3270383"/>
+          </a:xfrm>
+          <a:prstGeom prst="straightConnector1">
+            <a:avLst/>
+          </a:prstGeom>
+          <a:ln w="38100">
+            <a:headEnd w="lg" len="lg"/>
+            <a:tailEnd type="triangle" w="lg" len="lg"/>
+          </a:ln>
+        </p:spPr>
+        <p:style>
+          <a:lnRef idx="1">
+            <a:schemeClr val="accent1"/>
+          </a:lnRef>
+          <a:fillRef idx="0">
+            <a:schemeClr val="accent1"/>
+          </a:fillRef>
+          <a:effectRef idx="0">
+            <a:schemeClr val="accent1"/>
+          </a:effectRef>
+          <a:fontRef idx="minor">
+            <a:schemeClr val="tx1"/>
+          </a:fontRef>
+        </p:style>
+      </p:cxnSp>
+      <p:pic>
+        <p:nvPicPr>
+          <p:cNvPr id="17" name="그림 16">
+            <a:extLst>
+              <a:ext uri="{FF2B5EF4-FFF2-40B4-BE49-F238E27FC236}">
+                <a16:creationId xmlns:a16="http://schemas.microsoft.com/office/drawing/2014/main" id="{9CD18A9D-C205-43A0-82C3-3D416CCAD7B7}"/>
+              </a:ext>
+            </a:extLst>
+          </p:cNvPr>
+          <p:cNvPicPr>
+            <a:picLocks noChangeAspect="1"/>
+          </p:cNvPicPr>
+          <p:nvPr/>
+        </p:nvPicPr>
+        <p:blipFill rotWithShape="1">
+          <a:blip r:embed="rId3"/>
+          <a:srcRect l="4050" t="1078" r="935" b="88145"/>
+          <a:stretch/>
+        </p:blipFill>
+        <p:spPr>
+          <a:xfrm>
+            <a:off x="7612643" y="4974740"/>
+            <a:ext cx="4549212" cy="514889"/>
+          </a:xfrm>
+          <a:prstGeom prst="rect">
+            <a:avLst/>
+          </a:prstGeom>
+        </p:spPr>
+      </p:pic>
+      <p:pic>
+        <p:nvPicPr>
+          <p:cNvPr id="18" name="그림 17">
+            <a:extLst>
+              <a:ext uri="{FF2B5EF4-FFF2-40B4-BE49-F238E27FC236}">
+                <a16:creationId xmlns:a16="http://schemas.microsoft.com/office/drawing/2014/main" id="{414E18BB-041C-43C5-96BC-4927B0679EE2}"/>
+              </a:ext>
+            </a:extLst>
+          </p:cNvPr>
+          <p:cNvPicPr>
+            <a:picLocks noChangeAspect="1"/>
+          </p:cNvPicPr>
+          <p:nvPr/>
+        </p:nvPicPr>
+        <p:blipFill rotWithShape="1">
+          <a:blip r:embed="rId2"/>
+          <a:srcRect l="4280" t="92151" b="2685"/>
+          <a:stretch/>
+        </p:blipFill>
+        <p:spPr>
+          <a:xfrm>
+            <a:off x="2905641" y="5633567"/>
+            <a:ext cx="4549213" cy="254784"/>
+          </a:xfrm>
+          <a:prstGeom prst="rect">
+            <a:avLst/>
+          </a:prstGeom>
+        </p:spPr>
+      </p:pic>
+      <p:pic>
+        <p:nvPicPr>
+          <p:cNvPr id="19" name="그림 18">
+            <a:extLst>
+              <a:ext uri="{FF2B5EF4-FFF2-40B4-BE49-F238E27FC236}">
+                <a16:creationId xmlns:a16="http://schemas.microsoft.com/office/drawing/2014/main" id="{B678F00F-C6A7-48DA-9097-97A50E13E89B}"/>
+              </a:ext>
+            </a:extLst>
+          </p:cNvPr>
+          <p:cNvPicPr>
+            <a:picLocks noChangeAspect="1"/>
+          </p:cNvPicPr>
+          <p:nvPr/>
+        </p:nvPicPr>
+        <p:blipFill rotWithShape="1">
+          <a:blip r:embed="rId3"/>
+          <a:srcRect l="3895" t="96758" b="-8"/>
+          <a:stretch/>
+        </p:blipFill>
+        <p:spPr>
+          <a:xfrm>
+            <a:off x="7612643" y="5489629"/>
+            <a:ext cx="4549212" cy="153540"/>
+          </a:xfrm>
+          <a:prstGeom prst="rect">
+            <a:avLst/>
+          </a:prstGeom>
+        </p:spPr>
+      </p:pic>
+      <p:sp>
+        <p:nvSpPr>
+          <p:cNvPr id="27" name="TextBox 26">
+            <a:extLst>
+              <a:ext uri="{FF2B5EF4-FFF2-40B4-BE49-F238E27FC236}">
+                <a16:creationId xmlns:a16="http://schemas.microsoft.com/office/drawing/2014/main" id="{69D708E1-54EA-4A55-A76B-5CFF6CA52455}"/>
+              </a:ext>
+            </a:extLst>
+          </p:cNvPr>
+          <p:cNvSpPr txBox="1"/>
+          <p:nvPr/>
+        </p:nvSpPr>
+        <p:spPr>
+          <a:xfrm>
+            <a:off x="8217659" y="5797840"/>
+            <a:ext cx="3685523" cy="738664"/>
+          </a:xfrm>
+          <a:prstGeom prst="rect">
+            <a:avLst/>
+          </a:prstGeom>
+          <a:noFill/>
+        </p:spPr>
+        <p:txBody>
+          <a:bodyPr wrap="square" rtlCol="0">
+            <a:spAutoFit/>
+          </a:bodyPr>
+          <a:lstStyle/>
+          <a:p>
+            <a:pPr algn="ctr"/>
+            <a:r>
+              <a:rPr kumimoji="1" lang="ko-KR" altLang="en-US" sz="1400" dirty="0"/>
+              <a:t>요일마다 취급액의 영향도를 고려하기 위해</a:t>
+            </a:r>
+            <a:endParaRPr kumimoji="1" lang="en-US" altLang="ko-KR" sz="1400" dirty="0"/>
+          </a:p>
+          <a:p>
+            <a:pPr algn="ctr"/>
+            <a:r>
+              <a:rPr kumimoji="1" lang="ko-KR" altLang="en-US" sz="1400" dirty="0"/>
+              <a:t>→  </a:t>
+            </a:r>
+            <a:r>
+              <a:rPr kumimoji="1" lang="en-US" altLang="ko-KR" sz="1400" dirty="0" err="1"/>
+              <a:t>OneHotEncoder</a:t>
+            </a:r>
+            <a:r>
+              <a:rPr kumimoji="1" lang="en-US" altLang="ko-KR" sz="1400" dirty="0"/>
+              <a:t> </a:t>
+            </a:r>
+            <a:r>
+              <a:rPr kumimoji="1" lang="ko-KR" altLang="en-US" sz="1400" dirty="0"/>
+              <a:t>활용하여 </a:t>
+            </a:r>
+            <a:endParaRPr kumimoji="1" lang="en-US" altLang="ko-KR" sz="1400" dirty="0"/>
+          </a:p>
+          <a:p>
+            <a:pPr algn="ctr"/>
+            <a:r>
+              <a:rPr kumimoji="1" lang="en-US" altLang="ko-KR" sz="1400" dirty="0"/>
+              <a:t>‘</a:t>
+            </a:r>
+            <a:r>
+              <a:rPr kumimoji="1" lang="ko-KR" altLang="en-US" sz="1400" dirty="0"/>
+              <a:t>요일＇ 피처를 월</a:t>
+            </a:r>
+            <a:r>
+              <a:rPr kumimoji="1" lang="en-US" altLang="ko-KR" sz="1400" dirty="0"/>
+              <a:t>~</a:t>
+            </a:r>
+            <a:r>
+              <a:rPr kumimoji="1" lang="ko-KR" altLang="en-US" sz="1400" dirty="0"/>
+              <a:t>일까지 나눔</a:t>
+            </a:r>
+            <a:endParaRPr kumimoji="1" lang="en-US" altLang="ko-KR" sz="1400" dirty="0"/>
+          </a:p>
+        </p:txBody>
+      </p:sp>
+      <p:sp>
+        <p:nvSpPr>
+          <p:cNvPr id="29" name="직사각형 28">
+            <a:extLst>
+              <a:ext uri="{FF2B5EF4-FFF2-40B4-BE49-F238E27FC236}">
+                <a16:creationId xmlns:a16="http://schemas.microsoft.com/office/drawing/2014/main" id="{8D892A89-85EA-4B6B-848C-187ED7B35D03}"/>
+              </a:ext>
+            </a:extLst>
+          </p:cNvPr>
+          <p:cNvSpPr/>
+          <p:nvPr/>
+        </p:nvSpPr>
+        <p:spPr>
+          <a:xfrm>
+            <a:off x="8123112" y="5428895"/>
+            <a:ext cx="3874619" cy="275009"/>
+          </a:xfrm>
+          <a:prstGeom prst="rect">
+            <a:avLst/>
+          </a:prstGeom>
+          <a:noFill/>
+          <a:ln w="38100">
+            <a:solidFill>
+              <a:srgbClr val="FF0000"/>
+            </a:solidFill>
+          </a:ln>
+        </p:spPr>
+        <p:style>
+          <a:lnRef idx="2">
+            <a:schemeClr val="accent1">
+              <a:shade val="50000"/>
+            </a:schemeClr>
+          </a:lnRef>
+          <a:fillRef idx="1">
+            <a:schemeClr val="accent1"/>
+          </a:fillRef>
+          <a:effectRef idx="0">
+            <a:schemeClr val="accent1"/>
+          </a:effectRef>
+          <a:fontRef idx="minor">
+            <a:schemeClr val="lt1"/>
+          </a:fontRef>
+        </p:style>
+        <p:txBody>
+          <a:bodyPr rtlCol="0" anchor="ctr"/>
+          <a:lstStyle/>
+          <a:p>
+            <a:pPr algn="ctr"/>
+            <a:endParaRPr lang="ko-KR" altLang="en-US"/>
+          </a:p>
+        </p:txBody>
+      </p:sp>
     </p:spTree>
     <p:extLst>
       <p:ext uri="{BB962C8B-B14F-4D97-AF65-F5344CB8AC3E}">
@@ -16643,7 +16398,7 @@
 </p:sld>
 </file>
 
-<file path=ppt/slides/slide6.xml><?xml version="1.0" encoding="utf-8"?>
+<file path=ppt/slides/slide2.xml><?xml version="1.0" encoding="utf-8"?>
 <p:sld xmlns:a="http://schemas.openxmlformats.org/drawingml/2006/main" xmlns:r="http://schemas.openxmlformats.org/officeDocument/2006/relationships" xmlns:p="http://schemas.openxmlformats.org/presentationml/2006/main">
   <p:cSld>
     <p:spTree>
@@ -16703,12 +16458,102 @@
           </a:p>
         </p:txBody>
       </p:sp>
+      <p:pic>
+        <p:nvPicPr>
+          <p:cNvPr id="9" name="그림 8">
+            <a:extLst>
+              <a:ext uri="{FF2B5EF4-FFF2-40B4-BE49-F238E27FC236}">
+                <a16:creationId xmlns:a16="http://schemas.microsoft.com/office/drawing/2014/main" id="{7B361E6E-B045-4C37-B38A-ABC5E2C3D9E0}"/>
+              </a:ext>
+            </a:extLst>
+          </p:cNvPr>
+          <p:cNvPicPr>
+            <a:picLocks noChangeAspect="1"/>
+          </p:cNvPicPr>
+          <p:nvPr/>
+        </p:nvPicPr>
+        <p:blipFill>
+          <a:blip r:embed="rId2"/>
+          <a:stretch>
+            <a:fillRect/>
+          </a:stretch>
+        </p:blipFill>
+        <p:spPr>
+          <a:xfrm>
+            <a:off x="11786010" y="1064507"/>
+            <a:ext cx="405989" cy="3741860"/>
+          </a:xfrm>
+          <a:prstGeom prst="rect">
+            <a:avLst/>
+          </a:prstGeom>
+        </p:spPr>
+      </p:pic>
+      <p:pic>
+        <p:nvPicPr>
+          <p:cNvPr id="11" name="그림 10">
+            <a:extLst>
+              <a:ext uri="{FF2B5EF4-FFF2-40B4-BE49-F238E27FC236}">
+                <a16:creationId xmlns:a16="http://schemas.microsoft.com/office/drawing/2014/main" id="{76C6159B-4197-4BB5-BC4E-3EDB945F28A6}"/>
+              </a:ext>
+            </a:extLst>
+          </p:cNvPr>
+          <p:cNvPicPr>
+            <a:picLocks noChangeAspect="1"/>
+          </p:cNvPicPr>
+          <p:nvPr/>
+        </p:nvPicPr>
+        <p:blipFill>
+          <a:blip r:embed="rId3"/>
+          <a:stretch>
+            <a:fillRect/>
+          </a:stretch>
+        </p:blipFill>
+        <p:spPr>
+          <a:xfrm>
+            <a:off x="7939616" y="1300394"/>
+            <a:ext cx="2503290" cy="2353690"/>
+          </a:xfrm>
+          <a:prstGeom prst="rect">
+            <a:avLst/>
+          </a:prstGeom>
+        </p:spPr>
+      </p:pic>
+      <p:pic>
+        <p:nvPicPr>
+          <p:cNvPr id="12" name="그림 11">
+            <a:extLst>
+              <a:ext uri="{FF2B5EF4-FFF2-40B4-BE49-F238E27FC236}">
+                <a16:creationId xmlns:a16="http://schemas.microsoft.com/office/drawing/2014/main" id="{B1CFCC78-0D31-4BB0-A752-125FFCA36590}"/>
+              </a:ext>
+            </a:extLst>
+          </p:cNvPr>
+          <p:cNvPicPr>
+            <a:picLocks noChangeAspect="1"/>
+          </p:cNvPicPr>
+          <p:nvPr/>
+        </p:nvPicPr>
+        <p:blipFill>
+          <a:blip r:embed="rId4"/>
+          <a:stretch>
+            <a:fillRect/>
+          </a:stretch>
+        </p:blipFill>
+        <p:spPr>
+          <a:xfrm>
+            <a:off x="5160826" y="1307696"/>
+            <a:ext cx="2655567" cy="2675571"/>
+          </a:xfrm>
+          <a:prstGeom prst="rect">
+            <a:avLst/>
+          </a:prstGeom>
+        </p:spPr>
+      </p:pic>
       <p:sp>
         <p:nvSpPr>
-          <p:cNvPr id="3" name="TextBox 2">
+          <p:cNvPr id="13" name="TextBox 12">
             <a:extLst>
               <a:ext uri="{FF2B5EF4-FFF2-40B4-BE49-F238E27FC236}">
-                <a16:creationId xmlns:a16="http://schemas.microsoft.com/office/drawing/2014/main" id="{D1D21038-47C9-1747-8891-B3C2BF75161E}"/>
+                <a16:creationId xmlns:a16="http://schemas.microsoft.com/office/drawing/2014/main" id="{B1FEA5A5-10C7-4EBF-B4DF-989F7188B202}"/>
               </a:ext>
             </a:extLst>
           </p:cNvPr>
@@ -16717,8 +16562,8 @@
         </p:nvSpPr>
         <p:spPr>
           <a:xfrm>
-            <a:off x="6318607" y="1705510"/>
-            <a:ext cx="3820277" cy="646331"/>
+            <a:off x="5010701" y="435156"/>
+            <a:ext cx="6298058" cy="369332"/>
           </a:xfrm>
           <a:prstGeom prst="rect">
             <a:avLst/>
@@ -16726,36 +16571,352 @@
           <a:noFill/>
         </p:spPr>
         <p:txBody>
-          <a:bodyPr wrap="none" rtlCol="0">
+          <a:bodyPr wrap="square" rtlCol="0">
             <a:spAutoFit/>
           </a:bodyPr>
           <a:lstStyle/>
           <a:p>
             <a:r>
-              <a:rPr kumimoji="1" lang="ko-Kore-KR" altLang="en-US" dirty="0"/>
-              <a:t>여기에는</a:t>
+              <a:rPr kumimoji="1" lang="ko-KR" altLang="en-US" dirty="0"/>
+              <a:t>피처는 취급액과 </a:t>
+            </a:r>
+            <a:r>
+              <a:rPr kumimoji="1" lang="en-US" altLang="ko-KR" dirty="0" err="1"/>
+              <a:t>corr</a:t>
+            </a:r>
+            <a:r>
+              <a:rPr kumimoji="1" lang="en-US" altLang="ko-KR" dirty="0"/>
+              <a:t>()</a:t>
             </a:r>
             <a:r>
               <a:rPr kumimoji="1" lang="ko-KR" altLang="en-US" dirty="0"/>
-              <a:t> 찬주의 그래프와 </a:t>
+              <a:t>의 값이 </a:t>
             </a:r>
-            <a:endParaRPr kumimoji="1" lang="en-US" altLang="ko-KR" dirty="0"/>
-          </a:p>
-          <a:p>
+            <a:r>
+              <a:rPr kumimoji="1" lang="en-US" altLang="ko-KR" dirty="0"/>
+              <a:t>0.01 </a:t>
+            </a:r>
             <a:r>
               <a:rPr kumimoji="1" lang="ko-KR" altLang="en-US" dirty="0"/>
-              <a:t>원우의 상관관계 이야기가 들어간다</a:t>
+              <a:t>이상인 값들만 활용함</a:t>
             </a:r>
-            <a:endParaRPr kumimoji="1" lang="ko-Kore-KR" altLang="en-US" dirty="0"/>
+            <a:r>
+              <a:rPr kumimoji="1" lang="en-US" altLang="ko-KR" dirty="0"/>
+              <a:t>.</a:t>
+            </a:r>
           </a:p>
         </p:txBody>
       </p:sp>
       <p:sp>
         <p:nvSpPr>
-          <p:cNvPr id="4" name="TextBox 3">
+          <p:cNvPr id="14" name="직사각형 13">
             <a:extLst>
               <a:ext uri="{FF2B5EF4-FFF2-40B4-BE49-F238E27FC236}">
-                <a16:creationId xmlns:a16="http://schemas.microsoft.com/office/drawing/2014/main" id="{FB4125B8-7AF4-2B4A-9CD1-09A3413B9316}"/>
+                <a16:creationId xmlns:a16="http://schemas.microsoft.com/office/drawing/2014/main" id="{BF7BB8DA-C1C6-477E-8753-08A575D92521}"/>
+              </a:ext>
+            </a:extLst>
+          </p:cNvPr>
+          <p:cNvSpPr/>
+          <p:nvPr/>
+        </p:nvSpPr>
+        <p:spPr>
+          <a:xfrm>
+            <a:off x="5564981" y="1313285"/>
+            <a:ext cx="2251412" cy="227384"/>
+          </a:xfrm>
+          <a:prstGeom prst="rect">
+            <a:avLst/>
+          </a:prstGeom>
+          <a:noFill/>
+          <a:ln w="38100">
+            <a:solidFill>
+              <a:srgbClr val="FF0000"/>
+            </a:solidFill>
+          </a:ln>
+        </p:spPr>
+        <p:style>
+          <a:lnRef idx="2">
+            <a:schemeClr val="accent1">
+              <a:shade val="50000"/>
+            </a:schemeClr>
+          </a:lnRef>
+          <a:fillRef idx="1">
+            <a:schemeClr val="accent1"/>
+          </a:fillRef>
+          <a:effectRef idx="0">
+            <a:schemeClr val="accent1"/>
+          </a:effectRef>
+          <a:fontRef idx="minor">
+            <a:schemeClr val="lt1"/>
+          </a:fontRef>
+        </p:style>
+        <p:txBody>
+          <a:bodyPr rtlCol="0" anchor="ctr"/>
+          <a:lstStyle/>
+          <a:p>
+            <a:pPr algn="ctr"/>
+            <a:endParaRPr lang="ko-KR" altLang="en-US"/>
+          </a:p>
+        </p:txBody>
+      </p:sp>
+      <p:cxnSp>
+        <p:nvCxnSpPr>
+          <p:cNvPr id="15" name="직선 화살표 연결선 14">
+            <a:extLst>
+              <a:ext uri="{FF2B5EF4-FFF2-40B4-BE49-F238E27FC236}">
+                <a16:creationId xmlns:a16="http://schemas.microsoft.com/office/drawing/2014/main" id="{B406A347-7C33-44F7-8950-B388061EDDE8}"/>
+              </a:ext>
+            </a:extLst>
+          </p:cNvPr>
+          <p:cNvCxnSpPr>
+            <a:cxnSpLocks/>
+          </p:cNvCxnSpPr>
+          <p:nvPr/>
+        </p:nvCxnSpPr>
+        <p:spPr>
+          <a:xfrm>
+            <a:off x="6690687" y="1540669"/>
+            <a:ext cx="20941" cy="3295650"/>
+          </a:xfrm>
+          <a:prstGeom prst="straightConnector1">
+            <a:avLst/>
+          </a:prstGeom>
+          <a:ln w="38100">
+            <a:headEnd w="lg" len="lg"/>
+            <a:tailEnd type="triangle" w="lg" len="lg"/>
+          </a:ln>
+        </p:spPr>
+        <p:style>
+          <a:lnRef idx="1">
+            <a:schemeClr val="accent1"/>
+          </a:lnRef>
+          <a:fillRef idx="0">
+            <a:schemeClr val="accent1"/>
+          </a:fillRef>
+          <a:effectRef idx="0">
+            <a:schemeClr val="accent1"/>
+          </a:effectRef>
+          <a:fontRef idx="minor">
+            <a:schemeClr val="tx1"/>
+          </a:fontRef>
+        </p:style>
+      </p:cxnSp>
+      <p:sp>
+        <p:nvSpPr>
+          <p:cNvPr id="16" name="직사각형 15">
+            <a:extLst>
+              <a:ext uri="{FF2B5EF4-FFF2-40B4-BE49-F238E27FC236}">
+                <a16:creationId xmlns:a16="http://schemas.microsoft.com/office/drawing/2014/main" id="{59B6D118-B821-4178-93F6-39B49F8ED4D4}"/>
+              </a:ext>
+            </a:extLst>
+          </p:cNvPr>
+          <p:cNvSpPr/>
+          <p:nvPr/>
+        </p:nvSpPr>
+        <p:spPr>
+          <a:xfrm>
+            <a:off x="8159730" y="1313286"/>
+            <a:ext cx="2251412" cy="227384"/>
+          </a:xfrm>
+          <a:prstGeom prst="rect">
+            <a:avLst/>
+          </a:prstGeom>
+          <a:noFill/>
+          <a:ln w="38100">
+            <a:solidFill>
+              <a:srgbClr val="FF0000"/>
+            </a:solidFill>
+          </a:ln>
+        </p:spPr>
+        <p:style>
+          <a:lnRef idx="2">
+            <a:schemeClr val="accent1">
+              <a:shade val="50000"/>
+            </a:schemeClr>
+          </a:lnRef>
+          <a:fillRef idx="1">
+            <a:schemeClr val="accent1"/>
+          </a:fillRef>
+          <a:effectRef idx="0">
+            <a:schemeClr val="accent1"/>
+          </a:effectRef>
+          <a:fontRef idx="minor">
+            <a:schemeClr val="lt1"/>
+          </a:fontRef>
+        </p:style>
+        <p:txBody>
+          <a:bodyPr rtlCol="0" anchor="ctr"/>
+          <a:lstStyle/>
+          <a:p>
+            <a:pPr algn="ctr"/>
+            <a:endParaRPr lang="ko-KR" altLang="en-US"/>
+          </a:p>
+        </p:txBody>
+      </p:sp>
+      <p:cxnSp>
+        <p:nvCxnSpPr>
+          <p:cNvPr id="17" name="직선 화살표 연결선 16">
+            <a:extLst>
+              <a:ext uri="{FF2B5EF4-FFF2-40B4-BE49-F238E27FC236}">
+                <a16:creationId xmlns:a16="http://schemas.microsoft.com/office/drawing/2014/main" id="{09DD5B53-757D-4B48-AE84-449E675DE7A2}"/>
+              </a:ext>
+            </a:extLst>
+          </p:cNvPr>
+          <p:cNvCxnSpPr>
+            <a:cxnSpLocks/>
+          </p:cNvCxnSpPr>
+          <p:nvPr/>
+        </p:nvCxnSpPr>
+        <p:spPr>
+          <a:xfrm>
+            <a:off x="9285436" y="1535984"/>
+            <a:ext cx="20941" cy="3270383"/>
+          </a:xfrm>
+          <a:prstGeom prst="straightConnector1">
+            <a:avLst/>
+          </a:prstGeom>
+          <a:ln w="38100">
+            <a:headEnd w="lg" len="lg"/>
+            <a:tailEnd type="triangle" w="lg" len="lg"/>
+          </a:ln>
+        </p:spPr>
+        <p:style>
+          <a:lnRef idx="1">
+            <a:schemeClr val="accent1"/>
+          </a:lnRef>
+          <a:fillRef idx="0">
+            <a:schemeClr val="accent1"/>
+          </a:fillRef>
+          <a:effectRef idx="0">
+            <a:schemeClr val="accent1"/>
+          </a:effectRef>
+          <a:fontRef idx="minor">
+            <a:schemeClr val="tx1"/>
+          </a:fontRef>
+        </p:style>
+      </p:cxnSp>
+      <p:pic>
+        <p:nvPicPr>
+          <p:cNvPr id="23" name="그림 22">
+            <a:extLst>
+              <a:ext uri="{FF2B5EF4-FFF2-40B4-BE49-F238E27FC236}">
+                <a16:creationId xmlns:a16="http://schemas.microsoft.com/office/drawing/2014/main" id="{4F8A00D0-54CF-4644-B1C5-0A914F66AFE3}"/>
+              </a:ext>
+            </a:extLst>
+          </p:cNvPr>
+          <p:cNvPicPr>
+            <a:picLocks noChangeAspect="1"/>
+          </p:cNvPicPr>
+          <p:nvPr/>
+        </p:nvPicPr>
+        <p:blipFill rotWithShape="1">
+          <a:blip r:embed="rId4"/>
+          <a:srcRect l="15218" t="1400" r="940" b="92281"/>
+          <a:stretch/>
+        </p:blipFill>
+        <p:spPr>
+          <a:xfrm>
+            <a:off x="2905642" y="4997001"/>
+            <a:ext cx="4549214" cy="345451"/>
+          </a:xfrm>
+          <a:prstGeom prst="rect">
+            <a:avLst/>
+          </a:prstGeom>
+        </p:spPr>
+      </p:pic>
+      <p:pic>
+        <p:nvPicPr>
+          <p:cNvPr id="24" name="그림 23">
+            <a:extLst>
+              <a:ext uri="{FF2B5EF4-FFF2-40B4-BE49-F238E27FC236}">
+                <a16:creationId xmlns:a16="http://schemas.microsoft.com/office/drawing/2014/main" id="{D777D084-6FA7-429C-95B6-5264A459A7DB}"/>
+              </a:ext>
+            </a:extLst>
+          </p:cNvPr>
+          <p:cNvPicPr>
+            <a:picLocks noChangeAspect="1"/>
+          </p:cNvPicPr>
+          <p:nvPr/>
+        </p:nvPicPr>
+        <p:blipFill rotWithShape="1">
+          <a:blip r:embed="rId3"/>
+          <a:srcRect l="10062" t="845" r="996" b="90916"/>
+          <a:stretch/>
+        </p:blipFill>
+        <p:spPr>
+          <a:xfrm>
+            <a:off x="7612640" y="4971999"/>
+            <a:ext cx="4549215" cy="396267"/>
+          </a:xfrm>
+          <a:prstGeom prst="rect">
+            <a:avLst/>
+          </a:prstGeom>
+        </p:spPr>
+      </p:pic>
+      <p:pic>
+        <p:nvPicPr>
+          <p:cNvPr id="25" name="그림 24">
+            <a:extLst>
+              <a:ext uri="{FF2B5EF4-FFF2-40B4-BE49-F238E27FC236}">
+                <a16:creationId xmlns:a16="http://schemas.microsoft.com/office/drawing/2014/main" id="{3D35DDBF-CD7A-46F8-A2EA-24EEB126D37E}"/>
+              </a:ext>
+            </a:extLst>
+          </p:cNvPr>
+          <p:cNvPicPr>
+            <a:picLocks noChangeAspect="1"/>
+          </p:cNvPicPr>
+          <p:nvPr/>
+        </p:nvPicPr>
+        <p:blipFill rotWithShape="1">
+          <a:blip r:embed="rId4"/>
+          <a:srcRect l="14785" t="84954"/>
+          <a:stretch/>
+        </p:blipFill>
+        <p:spPr>
+          <a:xfrm>
+            <a:off x="2905642" y="5342451"/>
+            <a:ext cx="4549215" cy="809285"/>
+          </a:xfrm>
+          <a:prstGeom prst="rect">
+            <a:avLst/>
+          </a:prstGeom>
+        </p:spPr>
+      </p:pic>
+      <p:pic>
+        <p:nvPicPr>
+          <p:cNvPr id="26" name="그림 25">
+            <a:extLst>
+              <a:ext uri="{FF2B5EF4-FFF2-40B4-BE49-F238E27FC236}">
+                <a16:creationId xmlns:a16="http://schemas.microsoft.com/office/drawing/2014/main" id="{A714E09A-81EC-4E43-B861-02DA4A6DC718}"/>
+              </a:ext>
+            </a:extLst>
+          </p:cNvPr>
+          <p:cNvPicPr>
+            <a:picLocks noChangeAspect="1"/>
+          </p:cNvPicPr>
+          <p:nvPr/>
+        </p:nvPicPr>
+        <p:blipFill rotWithShape="1">
+          <a:blip r:embed="rId3"/>
+          <a:srcRect l="9801" t="95698" r="997"/>
+          <a:stretch/>
+        </p:blipFill>
+        <p:spPr>
+          <a:xfrm>
+            <a:off x="7612640" y="5361916"/>
+            <a:ext cx="4549215" cy="206292"/>
+          </a:xfrm>
+          <a:prstGeom prst="rect">
+            <a:avLst/>
+          </a:prstGeom>
+        </p:spPr>
+      </p:pic>
+      <p:sp>
+        <p:nvSpPr>
+          <p:cNvPr id="30" name="TextBox 29">
+            <a:extLst>
+              <a:ext uri="{FF2B5EF4-FFF2-40B4-BE49-F238E27FC236}">
+                <a16:creationId xmlns:a16="http://schemas.microsoft.com/office/drawing/2014/main" id="{AAE771AF-90A5-419C-969D-356B6ACAD5DA}"/>
               </a:ext>
             </a:extLst>
           </p:cNvPr>
@@ -16764,8 +16925,8 @@
         </p:nvSpPr>
         <p:spPr>
           <a:xfrm>
-            <a:off x="5763803" y="2659514"/>
-            <a:ext cx="4568751" cy="2308324"/>
+            <a:off x="1667409" y="6119336"/>
+            <a:ext cx="5737007" cy="738664"/>
           </a:xfrm>
           <a:prstGeom prst="rect">
             <a:avLst/>
@@ -16773,384 +16934,162 @@
           <a:noFill/>
         </p:spPr>
         <p:txBody>
-          <a:bodyPr wrap="none" rtlCol="0">
+          <a:bodyPr wrap="square" rtlCol="0">
             <a:spAutoFit/>
           </a:bodyPr>
           <a:lstStyle/>
           <a:p>
+            <a:pPr algn="ctr"/>
             <a:r>
-              <a:rPr kumimoji="1" lang="en-US" altLang="ko-KR" dirty="0"/>
-              <a:t>'</a:t>
+              <a:rPr kumimoji="1" lang="en-US" altLang="ko-KR" sz="1400" dirty="0"/>
+              <a:t>‘</a:t>
             </a:r>
             <a:r>
-              <a:rPr kumimoji="1" lang="ko-KR" altLang="en-US" dirty="0"/>
-              <a:t>노출</a:t>
+              <a:rPr kumimoji="1" lang="ko-KR" altLang="en-US" sz="1400" dirty="0"/>
+              <a:t>방송일시</a:t>
             </a:r>
             <a:r>
-              <a:rPr kumimoji="1" lang="en-US" altLang="ko-KR" dirty="0"/>
-              <a:t>(</a:t>
+              <a:rPr kumimoji="1" lang="en-US" altLang="ko-KR" sz="1400" dirty="0"/>
+              <a:t>’ </a:t>
             </a:r>
             <a:r>
-              <a:rPr kumimoji="1" lang="ko-KR" altLang="en-US" dirty="0"/>
-              <a:t>분</a:t>
+              <a:rPr kumimoji="1" lang="ko-KR" altLang="en-US" sz="1400" dirty="0"/>
+              <a:t>피처의 시간 흐름에 따라 취급액에 영향이 있을 것으로 예상</a:t>
+            </a:r>
+            <a:endParaRPr kumimoji="1" lang="en-US" altLang="ko-KR" sz="1400" dirty="0"/>
+          </a:p>
+          <a:p>
+            <a:pPr algn="ctr"/>
+            <a:r>
+              <a:rPr kumimoji="1" lang="ko-KR" altLang="en-US" sz="1400" dirty="0"/>
+              <a:t>→  </a:t>
             </a:r>
             <a:r>
-              <a:rPr kumimoji="1" lang="en-US" altLang="ko-KR" dirty="0"/>
-              <a:t>)', '</a:t>
+              <a:rPr kumimoji="1" lang="en-US" altLang="ko-KR" sz="1400" dirty="0" err="1"/>
+              <a:t>OneHotEncoder</a:t>
             </a:r>
             <a:r>
-              <a:rPr kumimoji="1" lang="ko-KR" altLang="en-US" dirty="0" err="1"/>
-              <a:t>마더코드</a:t>
+              <a:rPr kumimoji="1" lang="en-US" altLang="ko-KR" sz="1400" dirty="0"/>
+              <a:t> </a:t>
             </a:r>
             <a:r>
-              <a:rPr kumimoji="1" lang="en-US" altLang="ko-KR" dirty="0"/>
-              <a:t>', '</a:t>
+              <a:rPr kumimoji="1" lang="ko-KR" altLang="en-US" sz="1400" dirty="0"/>
+              <a:t>활용하여  </a:t>
             </a:r>
             <a:r>
-              <a:rPr kumimoji="1" lang="ko-KR" altLang="en-US" dirty="0" err="1"/>
-              <a:t>상품코드</a:t>
+              <a:rPr kumimoji="1" lang="en-US" altLang="ko-KR" sz="1400" dirty="0"/>
+              <a:t>‘</a:t>
             </a:r>
             <a:r>
-              <a:rPr kumimoji="1" lang="en-US" altLang="ko-KR" dirty="0"/>
-              <a:t>', '</a:t>
+              <a:rPr kumimoji="1" lang="ko-KR" altLang="en-US" sz="1400" dirty="0"/>
+              <a:t>방송일시＇ 피처를 월</a:t>
             </a:r>
             <a:r>
-              <a:rPr kumimoji="1" lang="ko-KR" altLang="en-US" dirty="0"/>
-              <a:t>판매단가</a:t>
+              <a:rPr kumimoji="1" lang="en-US" altLang="ko-KR" sz="1400" dirty="0"/>
+              <a:t>, </a:t>
             </a:r>
             <a:r>
-              <a:rPr kumimoji="1" lang="en-US" altLang="ko-KR" dirty="0"/>
-              <a:t>’,</a:t>
-            </a:r>
-          </a:p>
-          <a:p>
-            <a:r>
-              <a:rPr kumimoji="1" lang="en-US" altLang="ko-KR" dirty="0"/>
-              <a:t>'</a:t>
-            </a:r>
-            <a:r>
-              <a:rPr kumimoji="1" lang="ko-KR" altLang="en-US" dirty="0"/>
-              <a:t>월</a:t>
-            </a:r>
-            <a:r>
-              <a:rPr kumimoji="1" lang="en-US" altLang="ko-KR" dirty="0"/>
-              <a:t>', '</a:t>
-            </a:r>
-            <a:r>
-              <a:rPr kumimoji="1" lang="ko-KR" altLang="en-US" dirty="0"/>
-              <a:t>화</a:t>
-            </a:r>
-            <a:r>
-              <a:rPr kumimoji="1" lang="en-US" altLang="ko-KR" dirty="0"/>
-              <a:t>','</a:t>
-            </a:r>
-            <a:r>
-              <a:rPr kumimoji="1" lang="ko-KR" altLang="en-US" dirty="0"/>
-              <a:t>수</a:t>
-            </a:r>
-            <a:r>
-              <a:rPr kumimoji="1" lang="en-US" altLang="ko-KR" dirty="0"/>
-              <a:t>', '</a:t>
-            </a:r>
-            <a:r>
-              <a:rPr kumimoji="1" lang="ko-KR" altLang="en-US" dirty="0"/>
-              <a:t>목</a:t>
-            </a:r>
-            <a:r>
-              <a:rPr kumimoji="1" lang="en-US" altLang="ko-KR" dirty="0"/>
-              <a:t>', '</a:t>
-            </a:r>
-            <a:r>
-              <a:rPr kumimoji="1" lang="ko-KR" altLang="en-US" dirty="0"/>
-              <a:t>금</a:t>
-            </a:r>
-            <a:r>
-              <a:rPr kumimoji="1" lang="en-US" altLang="ko-KR" dirty="0"/>
-              <a:t>', '</a:t>
-            </a:r>
-            <a:r>
-              <a:rPr kumimoji="1" lang="ko-KR" altLang="en-US" dirty="0"/>
-              <a:t>토</a:t>
-            </a:r>
-            <a:r>
-              <a:rPr kumimoji="1" lang="en-US" altLang="ko-KR" dirty="0"/>
-              <a:t>', '</a:t>
-            </a:r>
-            <a:r>
-              <a:rPr kumimoji="1" lang="ko-KR" altLang="en-US" dirty="0"/>
+              <a:rPr kumimoji="1" lang="ko-KR" altLang="en-US" sz="1400" dirty="0"/>
               <a:t>일</a:t>
             </a:r>
             <a:r>
-              <a:rPr kumimoji="1" lang="en-US" altLang="ko-KR" dirty="0"/>
-              <a:t>’,</a:t>
+              <a:rPr kumimoji="1" lang="en-US" altLang="ko-KR" sz="1400" dirty="0"/>
+              <a:t>, </a:t>
             </a:r>
+            <a:r>
+              <a:rPr kumimoji="1" lang="ko-KR" altLang="en-US" sz="1400" dirty="0"/>
+              <a:t>시간 </a:t>
+            </a:r>
+            <a:endParaRPr kumimoji="1" lang="en-US" altLang="ko-KR" sz="1400" dirty="0"/>
           </a:p>
           <a:p>
+            <a:pPr algn="ctr"/>
             <a:r>
-              <a:rPr kumimoji="1" lang="en-US" altLang="ko-KR" dirty="0"/>
-              <a:t>'</a:t>
+              <a:rPr kumimoji="1" lang="en-US" altLang="ko-KR" sz="1400" dirty="0"/>
+              <a:t> </a:t>
             </a:r>
             <a:r>
-              <a:rPr kumimoji="1" lang="en" altLang="ko-Kore-KR" dirty="0"/>
-              <a:t>month', 'day', 'hour',</a:t>
-            </a:r>
-          </a:p>
-          <a:p>
-            <a:r>
-              <a:rPr kumimoji="1" lang="en" altLang="ko-Kore-KR" dirty="0"/>
-              <a:t>'</a:t>
+              <a:rPr kumimoji="1" lang="ko-KR" altLang="en-US" sz="1400" dirty="0"/>
+              <a:t>휴일</a:t>
             </a:r>
             <a:r>
-              <a:rPr kumimoji="1" lang="en" altLang="ko-Kore-KR" dirty="0" err="1"/>
-              <a:t>resting_day</a:t>
+              <a:rPr kumimoji="1" lang="en-US" altLang="ko-KR" sz="1400" dirty="0"/>
+              <a:t>, </a:t>
             </a:r>
             <a:r>
-              <a:rPr kumimoji="1" lang="en" altLang="ko-Kore-KR" dirty="0"/>
-              <a:t>', '</a:t>
+              <a:rPr kumimoji="1" lang="ko-KR" altLang="en-US" sz="1400" dirty="0"/>
+              <a:t>평일</a:t>
             </a:r>
             <a:r>
-              <a:rPr kumimoji="1" lang="en" altLang="ko-Kore-KR" dirty="0" err="1"/>
-              <a:t>working_day</a:t>
+              <a:rPr kumimoji="1" lang="en-US" altLang="ko-KR" sz="1400" dirty="0"/>
+              <a:t>, </a:t>
             </a:r>
             <a:r>
-              <a:rPr kumimoji="1" lang="en" altLang="ko-Kore-KR" dirty="0"/>
-              <a:t>’, </a:t>
+              <a:rPr kumimoji="1" lang="ko-KR" altLang="en-US" sz="1400" dirty="0"/>
+              <a:t>계절별로 나눔</a:t>
             </a:r>
-          </a:p>
-          <a:p>
-            <a:r>
-              <a:rPr kumimoji="1" lang="en" altLang="ko-Kore-KR" dirty="0"/>
-              <a:t>'</a:t>
-            </a:r>
-            <a:r>
-              <a:rPr kumimoji="1" lang="ko-KR" altLang="en-US" dirty="0"/>
-              <a:t>소비자심리지수</a:t>
-            </a:r>
-            <a:r>
-              <a:rPr kumimoji="1" lang="en-US" altLang="ko-KR" dirty="0"/>
-              <a:t>’, </a:t>
-            </a:r>
-          </a:p>
-          <a:p>
-            <a:r>
-              <a:rPr kumimoji="1" lang="en-US" altLang="ko-KR" dirty="0"/>
-              <a:t>'</a:t>
-            </a:r>
-            <a:r>
-              <a:rPr kumimoji="1" lang="ko-KR" altLang="en-US" dirty="0"/>
-              <a:t>가구</a:t>
-            </a:r>
-            <a:r>
-              <a:rPr kumimoji="1" lang="en-US" altLang="ko-KR" dirty="0"/>
-              <a:t>', '</a:t>
-            </a:r>
-            <a:r>
-              <a:rPr kumimoji="1" lang="ko-KR" altLang="en-US" dirty="0"/>
-              <a:t>가전</a:t>
-            </a:r>
-            <a:r>
-              <a:rPr kumimoji="1" lang="en-US" altLang="ko-KR" dirty="0"/>
-              <a:t>', '</a:t>
-            </a:r>
-            <a:r>
-              <a:rPr kumimoji="1" lang="ko-KR" altLang="en-US" dirty="0"/>
-              <a:t>건강기능</a:t>
-            </a:r>
-            <a:r>
-              <a:rPr kumimoji="1" lang="en-US" altLang="ko-KR" dirty="0"/>
-              <a:t>','</a:t>
-            </a:r>
-            <a:r>
-              <a:rPr kumimoji="1" lang="ko-KR" altLang="en-US" dirty="0" err="1"/>
-              <a:t>농수축</a:t>
-            </a:r>
-            <a:r>
-              <a:rPr kumimoji="1" lang="en-US" altLang="ko-KR" dirty="0"/>
-              <a:t>', '</a:t>
-            </a:r>
-            <a:r>
-              <a:rPr kumimoji="1" lang="ko-KR" altLang="en-US" dirty="0"/>
-              <a:t>생활용품</a:t>
-            </a:r>
-            <a:r>
-              <a:rPr kumimoji="1" lang="en-US" altLang="ko-KR" dirty="0"/>
-              <a:t>’, </a:t>
-            </a:r>
-          </a:p>
-          <a:p>
-            <a:r>
-              <a:rPr kumimoji="1" lang="en-US" altLang="ko-KR" dirty="0"/>
-              <a:t>'</a:t>
-            </a:r>
-            <a:r>
-              <a:rPr kumimoji="1" lang="ko-KR" altLang="en-US" dirty="0"/>
-              <a:t>속옷</a:t>
-            </a:r>
-            <a:r>
-              <a:rPr kumimoji="1" lang="en-US" altLang="ko-KR" dirty="0"/>
-              <a:t>', '</a:t>
-            </a:r>
-            <a:r>
-              <a:rPr kumimoji="1" lang="ko-KR" altLang="en-US" dirty="0"/>
-              <a:t>의류</a:t>
-            </a:r>
-            <a:r>
-              <a:rPr kumimoji="1" lang="en-US" altLang="ko-KR" dirty="0"/>
-              <a:t>', '</a:t>
-            </a:r>
-            <a:r>
-              <a:rPr kumimoji="1" lang="ko-KR" altLang="en-US" dirty="0"/>
-              <a:t>이미용</a:t>
-            </a:r>
-            <a:r>
-              <a:rPr kumimoji="1" lang="en-US" altLang="ko-KR" dirty="0"/>
-              <a:t>', '</a:t>
-            </a:r>
-            <a:r>
-              <a:rPr kumimoji="1" lang="ko-KR" altLang="en-US" dirty="0"/>
-              <a:t>잡화</a:t>
-            </a:r>
-            <a:r>
-              <a:rPr kumimoji="1" lang="en-US" altLang="ko-KR" dirty="0"/>
-              <a:t>', '</a:t>
-            </a:r>
-            <a:r>
-              <a:rPr kumimoji="1" lang="ko-KR" altLang="en-US" dirty="0"/>
-              <a:t>주방</a:t>
-            </a:r>
-            <a:r>
-              <a:rPr kumimoji="1" lang="en-US" altLang="ko-KR" dirty="0"/>
-              <a:t>', '</a:t>
-            </a:r>
-            <a:r>
-              <a:rPr kumimoji="1" lang="ko-KR" altLang="en-US" dirty="0"/>
-              <a:t>침구</a:t>
-            </a:r>
-            <a:r>
-              <a:rPr kumimoji="1" lang="en-US" altLang="ko-KR" dirty="0"/>
-              <a:t>’, </a:t>
-            </a:r>
-          </a:p>
-          <a:p>
-            <a:r>
-              <a:rPr kumimoji="1" lang="en-US" altLang="ko-KR" dirty="0"/>
-              <a:t>'</a:t>
-            </a:r>
-            <a:r>
-              <a:rPr kumimoji="1" lang="ko-KR" altLang="en-US" dirty="0"/>
-              <a:t>가을</a:t>
-            </a:r>
-            <a:r>
-              <a:rPr kumimoji="1" lang="en-US" altLang="ko-KR" dirty="0"/>
-              <a:t>', '</a:t>
-            </a:r>
-            <a:r>
-              <a:rPr kumimoji="1" lang="ko-KR" altLang="en-US" dirty="0"/>
-              <a:t>겨울</a:t>
-            </a:r>
-            <a:r>
-              <a:rPr kumimoji="1" lang="en-US" altLang="ko-KR" dirty="0"/>
-              <a:t>', '</a:t>
-            </a:r>
-            <a:r>
-              <a:rPr kumimoji="1" lang="ko-KR" altLang="en-US" dirty="0"/>
-              <a:t>봄</a:t>
-            </a:r>
-            <a:r>
-              <a:rPr kumimoji="1" lang="en-US" altLang="ko-KR" dirty="0"/>
-              <a:t>','</a:t>
-            </a:r>
-            <a:r>
-              <a:rPr kumimoji="1" lang="ko-KR" altLang="en-US" dirty="0"/>
-              <a:t>여름</a:t>
-            </a:r>
-            <a:r>
-              <a:rPr kumimoji="1" lang="en-US" altLang="ko-KR" dirty="0"/>
-              <a:t>'</a:t>
-            </a:r>
-            <a:endParaRPr kumimoji="1" lang="ko-Kore-KR" altLang="en-US" dirty="0"/>
-          </a:p>
-        </p:txBody>
-      </p:sp>
-    </p:spTree>
-    <p:extLst>
-      <p:ext uri="{BB962C8B-B14F-4D97-AF65-F5344CB8AC3E}">
-        <p14:creationId xmlns:p14="http://schemas.microsoft.com/office/powerpoint/2010/main" val="4218499218"/>
-      </p:ext>
-    </p:extLst>
-  </p:cSld>
-  <p:clrMapOvr>
-    <a:masterClrMapping/>
-  </p:clrMapOvr>
-</p:sld>
-</file>
-
-<file path=ppt/slides/slide7.xml><?xml version="1.0" encoding="utf-8"?>
-<p:sld xmlns:a="http://schemas.openxmlformats.org/drawingml/2006/main" xmlns:r="http://schemas.openxmlformats.org/officeDocument/2006/relationships" xmlns:p="http://schemas.openxmlformats.org/presentationml/2006/main">
-  <p:cSld>
-    <p:spTree>
-      <p:nvGrpSpPr>
-        <p:cNvPr id="1" name=""/>
-        <p:cNvGrpSpPr/>
-        <p:nvPr/>
-      </p:nvGrpSpPr>
-      <p:grpSpPr>
-        <a:xfrm>
-          <a:off x="0" y="0"/>
-          <a:ext cx="0" cy="0"/>
-          <a:chOff x="0" y="0"/>
-          <a:chExt cx="0" cy="0"/>
-        </a:xfrm>
-      </p:grpSpPr>
-      <p:sp>
-        <p:nvSpPr>
-          <p:cNvPr id="2" name="제목 1">
-            <a:extLst>
-              <a:ext uri="{FF2B5EF4-FFF2-40B4-BE49-F238E27FC236}">
-                <a16:creationId xmlns:a16="http://schemas.microsoft.com/office/drawing/2014/main" id="{16A4E286-0BD7-3C40-B98F-86AFBD1279BD}"/>
-              </a:ext>
-            </a:extLst>
-          </p:cNvPr>
-          <p:cNvSpPr>
-            <a:spLocks noGrp="1"/>
-          </p:cNvSpPr>
-          <p:nvPr>
-            <p:ph type="title"/>
-          </p:nvPr>
-        </p:nvSpPr>
-        <p:spPr/>
-        <p:txBody>
-          <a:bodyPr/>
-          <a:lstStyle/>
-          <a:p>
-            <a:r>
-              <a:rPr lang="ko-Kore-KR" altLang="en-US" dirty="0"/>
-              <a:t>피처</a:t>
-            </a:r>
-            <a:br>
-              <a:rPr lang="en-US" altLang="ko-Kore-KR" dirty="0"/>
-            </a:br>
-            <a:r>
-              <a:rPr lang="en-US" altLang="ko-Kore-KR" dirty="0"/>
-              <a:t>(feature)</a:t>
-            </a:r>
-            <a:br>
-              <a:rPr lang="en-US" altLang="ko-Kore-KR" dirty="0"/>
-            </a:br>
-            <a:r>
-              <a:rPr lang="ko-KR" altLang="en-US" dirty="0"/>
-              <a:t>선정</a:t>
-            </a:r>
-            <a:endParaRPr lang="ko-Kore-KR" altLang="en-US" dirty="0"/>
+            <a:endParaRPr kumimoji="1" lang="en-US" altLang="ko-KR" sz="1400" dirty="0"/>
           </a:p>
         </p:txBody>
       </p:sp>
       <p:sp>
         <p:nvSpPr>
-          <p:cNvPr id="3" name="TextBox 2">
+          <p:cNvPr id="31" name="직사각형 30">
             <a:extLst>
               <a:ext uri="{FF2B5EF4-FFF2-40B4-BE49-F238E27FC236}">
-                <a16:creationId xmlns:a16="http://schemas.microsoft.com/office/drawing/2014/main" id="{D1D21038-47C9-1747-8891-B3C2BF75161E}"/>
+                <a16:creationId xmlns:a16="http://schemas.microsoft.com/office/drawing/2014/main" id="{742F9BFA-9FDC-45ED-B767-DBF500E9D7C3}"/>
+              </a:ext>
+            </a:extLst>
+          </p:cNvPr>
+          <p:cNvSpPr/>
+          <p:nvPr/>
+        </p:nvSpPr>
+        <p:spPr>
+          <a:xfrm>
+            <a:off x="4389828" y="4978444"/>
+            <a:ext cx="1553772" cy="383471"/>
+          </a:xfrm>
+          <a:prstGeom prst="rect">
+            <a:avLst/>
+          </a:prstGeom>
+          <a:noFill/>
+          <a:ln w="38100">
+            <a:solidFill>
+              <a:srgbClr val="FF0000"/>
+            </a:solidFill>
+          </a:ln>
+        </p:spPr>
+        <p:style>
+          <a:lnRef idx="2">
+            <a:schemeClr val="accent1">
+              <a:shade val="50000"/>
+            </a:schemeClr>
+          </a:lnRef>
+          <a:fillRef idx="1">
+            <a:schemeClr val="accent1"/>
+          </a:fillRef>
+          <a:effectRef idx="0">
+            <a:schemeClr val="accent1"/>
+          </a:effectRef>
+          <a:fontRef idx="minor">
+            <a:schemeClr val="lt1"/>
+          </a:fontRef>
+        </p:style>
+        <p:txBody>
+          <a:bodyPr rtlCol="0" anchor="ctr"/>
+          <a:lstStyle/>
+          <a:p>
+            <a:pPr algn="ctr"/>
+            <a:endParaRPr lang="ko-KR" altLang="en-US"/>
+          </a:p>
+        </p:txBody>
+      </p:sp>
+      <p:sp>
+        <p:nvSpPr>
+          <p:cNvPr id="32" name="TextBox 31">
+            <a:extLst>
+              <a:ext uri="{FF2B5EF4-FFF2-40B4-BE49-F238E27FC236}">
+                <a16:creationId xmlns:a16="http://schemas.microsoft.com/office/drawing/2014/main" id="{2EC32F2D-BF1B-459B-80D1-9B1C8157B76C}"/>
               </a:ext>
             </a:extLst>
           </p:cNvPr>
@@ -17159,8 +17098,8 @@
         </p:nvSpPr>
         <p:spPr>
           <a:xfrm>
-            <a:off x="6318607" y="1705510"/>
-            <a:ext cx="3820277" cy="646331"/>
+            <a:off x="4396051" y="4663752"/>
+            <a:ext cx="1861173" cy="307777"/>
           </a:xfrm>
           <a:prstGeom prst="rect">
             <a:avLst/>
@@ -17168,36 +17107,42 @@
           <a:noFill/>
         </p:spPr>
         <p:txBody>
-          <a:bodyPr wrap="none" rtlCol="0">
+          <a:bodyPr wrap="square" rtlCol="0">
             <a:spAutoFit/>
           </a:bodyPr>
           <a:lstStyle/>
           <a:p>
+            <a:pPr algn="ctr"/>
             <a:r>
-              <a:rPr kumimoji="1" lang="ko-Kore-KR" altLang="en-US" dirty="0"/>
-              <a:t>여기에는</a:t>
+              <a:rPr kumimoji="1" lang="en-US" altLang="ko-KR" sz="1400" dirty="0" err="1"/>
+              <a:t>corr</a:t>
             </a:r>
             <a:r>
-              <a:rPr kumimoji="1" lang="ko-KR" altLang="en-US" dirty="0"/>
-              <a:t> 찬주의 그래프와 </a:t>
+              <a:rPr kumimoji="1" lang="en-US" altLang="ko-KR" sz="1400" dirty="0"/>
+              <a:t>()</a:t>
             </a:r>
-            <a:endParaRPr kumimoji="1" lang="en-US" altLang="ko-KR" dirty="0"/>
-          </a:p>
-          <a:p>
             <a:r>
-              <a:rPr kumimoji="1" lang="ko-KR" altLang="en-US" dirty="0"/>
-              <a:t>원우의 상관관계 이야기가 들어간다</a:t>
+              <a:rPr kumimoji="1" lang="ko-KR" altLang="en-US" sz="1400" dirty="0"/>
+              <a:t>값이 </a:t>
             </a:r>
-            <a:endParaRPr kumimoji="1" lang="ko-Kore-KR" altLang="en-US" dirty="0"/>
+            <a:r>
+              <a:rPr kumimoji="1" lang="en-US" altLang="ko-KR" sz="1400" dirty="0"/>
+              <a:t>0.01 </a:t>
+            </a:r>
+            <a:r>
+              <a:rPr kumimoji="1" lang="ko-KR" altLang="en-US" sz="1400" dirty="0"/>
+              <a:t>이하</a:t>
+            </a:r>
+            <a:endParaRPr kumimoji="1" lang="en-US" altLang="ko-KR" sz="1400" dirty="0"/>
           </a:p>
         </p:txBody>
       </p:sp>
       <p:sp>
         <p:nvSpPr>
-          <p:cNvPr id="4" name="TextBox 3">
+          <p:cNvPr id="33" name="TextBox 32">
             <a:extLst>
               <a:ext uri="{FF2B5EF4-FFF2-40B4-BE49-F238E27FC236}">
-                <a16:creationId xmlns:a16="http://schemas.microsoft.com/office/drawing/2014/main" id="{FB4125B8-7AF4-2B4A-9CD1-09A3413B9316}"/>
+                <a16:creationId xmlns:a16="http://schemas.microsoft.com/office/drawing/2014/main" id="{3AFD6461-7E4D-42FC-8E25-A386DC93C5AE}"/>
               </a:ext>
             </a:extLst>
           </p:cNvPr>
@@ -17206,8 +17151,8 @@
         </p:nvSpPr>
         <p:spPr>
           <a:xfrm>
-            <a:off x="5763803" y="2659514"/>
-            <a:ext cx="4568751" cy="2308324"/>
+            <a:off x="7612640" y="6119336"/>
+            <a:ext cx="4549215" cy="523220"/>
           </a:xfrm>
           <a:prstGeom prst="rect">
             <a:avLst/>
@@ -17215,596 +17160,60 @@
           <a:noFill/>
         </p:spPr>
         <p:txBody>
-          <a:bodyPr wrap="none" rtlCol="0">
+          <a:bodyPr wrap="square" rtlCol="0">
             <a:spAutoFit/>
           </a:bodyPr>
           <a:lstStyle/>
           <a:p>
+            <a:pPr algn="ctr"/>
             <a:r>
-              <a:rPr kumimoji="1" lang="en-US" altLang="ko-KR" dirty="0"/>
-              <a:t>'</a:t>
+              <a:rPr kumimoji="1" lang="en-US" altLang="ko-KR" sz="1400" dirty="0"/>
+              <a:t>‘</a:t>
             </a:r>
             <a:r>
-              <a:rPr kumimoji="1" lang="ko-KR" altLang="en-US" dirty="0"/>
-              <a:t>노출</a:t>
+              <a:rPr kumimoji="1" lang="ko-KR" altLang="en-US" sz="1400" dirty="0" err="1"/>
+              <a:t>상품군</a:t>
             </a:r>
             <a:r>
-              <a:rPr kumimoji="1" lang="en-US" altLang="ko-KR" dirty="0"/>
-              <a:t>(</a:t>
+              <a:rPr kumimoji="1" lang="en-US" altLang="ko-KR" sz="1400" dirty="0"/>
+              <a:t>’ </a:t>
             </a:r>
             <a:r>
-              <a:rPr kumimoji="1" lang="ko-KR" altLang="en-US" dirty="0"/>
-              <a:t>분</a:t>
+              <a:rPr kumimoji="1" lang="ko-KR" altLang="en-US" sz="1400" dirty="0"/>
+              <a:t>종류에 따라 취급액에 영향이 있을 것으로 예상</a:t>
+            </a:r>
+            <a:endParaRPr kumimoji="1" lang="en-US" altLang="ko-KR" sz="1400" dirty="0"/>
+          </a:p>
+          <a:p>
+            <a:pPr algn="ctr"/>
+            <a:r>
+              <a:rPr kumimoji="1" lang="ko-KR" altLang="en-US" sz="1400" dirty="0"/>
+              <a:t>→ </a:t>
             </a:r>
             <a:r>
-              <a:rPr kumimoji="1" lang="en-US" altLang="ko-KR" dirty="0"/>
-              <a:t>)', '</a:t>
+              <a:rPr kumimoji="1" lang="en-US" altLang="ko-KR" sz="1400" dirty="0" err="1"/>
+              <a:t>OneHotEncoder</a:t>
             </a:r>
             <a:r>
-              <a:rPr kumimoji="1" lang="ko-KR" altLang="en-US" dirty="0" err="1"/>
-              <a:t>마더코드</a:t>
+              <a:rPr kumimoji="1" lang="ko-KR" altLang="en-US" sz="1400" dirty="0"/>
+              <a:t>를 활용하여 </a:t>
             </a:r>
             <a:r>
-              <a:rPr kumimoji="1" lang="en-US" altLang="ko-KR" dirty="0"/>
-              <a:t>', '</a:t>
+              <a:rPr kumimoji="1" lang="en-US" altLang="ko-KR" sz="1400" dirty="0"/>
+              <a:t>11</a:t>
             </a:r>
             <a:r>
-              <a:rPr kumimoji="1" lang="ko-KR" altLang="en-US" dirty="0" err="1"/>
-              <a:t>상품코드</a:t>
+              <a:rPr kumimoji="1" lang="ko-KR" altLang="en-US" sz="1400" dirty="0"/>
+              <a:t>개의 피처를 나눔</a:t>
             </a:r>
-            <a:r>
-              <a:rPr kumimoji="1" lang="en-US" altLang="ko-KR" dirty="0"/>
-              <a:t>', '</a:t>
-            </a:r>
-            <a:r>
-              <a:rPr kumimoji="1" lang="ko-KR" altLang="en-US" dirty="0"/>
-              <a:t>판매단가</a:t>
-            </a:r>
-            <a:r>
-              <a:rPr kumimoji="1" lang="en-US" altLang="ko-KR" dirty="0"/>
-              <a:t>’,</a:t>
-            </a:r>
-          </a:p>
-          <a:p>
-            <a:r>
-              <a:rPr kumimoji="1" lang="en-US" altLang="ko-KR" dirty="0"/>
-              <a:t>'</a:t>
-            </a:r>
-            <a:r>
-              <a:rPr kumimoji="1" lang="ko-KR" altLang="en-US" dirty="0"/>
-              <a:t>월</a:t>
-            </a:r>
-            <a:r>
-              <a:rPr kumimoji="1" lang="en-US" altLang="ko-KR" dirty="0"/>
-              <a:t>', '</a:t>
-            </a:r>
-            <a:r>
-              <a:rPr kumimoji="1" lang="ko-KR" altLang="en-US" dirty="0"/>
-              <a:t>화</a:t>
-            </a:r>
-            <a:r>
-              <a:rPr kumimoji="1" lang="en-US" altLang="ko-KR" dirty="0"/>
-              <a:t>','</a:t>
-            </a:r>
-            <a:r>
-              <a:rPr kumimoji="1" lang="ko-KR" altLang="en-US" dirty="0"/>
-              <a:t>수</a:t>
-            </a:r>
-            <a:r>
-              <a:rPr kumimoji="1" lang="en-US" altLang="ko-KR" dirty="0"/>
-              <a:t>', '</a:t>
-            </a:r>
-            <a:r>
-              <a:rPr kumimoji="1" lang="ko-KR" altLang="en-US" dirty="0"/>
-              <a:t>목</a:t>
-            </a:r>
-            <a:r>
-              <a:rPr kumimoji="1" lang="en-US" altLang="ko-KR" dirty="0"/>
-              <a:t>', '</a:t>
-            </a:r>
-            <a:r>
-              <a:rPr kumimoji="1" lang="ko-KR" altLang="en-US" dirty="0"/>
-              <a:t>금</a:t>
-            </a:r>
-            <a:r>
-              <a:rPr kumimoji="1" lang="en-US" altLang="ko-KR" dirty="0"/>
-              <a:t>', '</a:t>
-            </a:r>
-            <a:r>
-              <a:rPr kumimoji="1" lang="ko-KR" altLang="en-US" dirty="0"/>
-              <a:t>토</a:t>
-            </a:r>
-            <a:r>
-              <a:rPr kumimoji="1" lang="en-US" altLang="ko-KR" dirty="0"/>
-              <a:t>', '</a:t>
-            </a:r>
-            <a:r>
-              <a:rPr kumimoji="1" lang="ko-KR" altLang="en-US" dirty="0"/>
-              <a:t>일</a:t>
-            </a:r>
-            <a:r>
-              <a:rPr kumimoji="1" lang="en-US" altLang="ko-KR" dirty="0"/>
-              <a:t>’,</a:t>
-            </a:r>
-          </a:p>
-          <a:p>
-            <a:r>
-              <a:rPr kumimoji="1" lang="en-US" altLang="ko-KR" dirty="0"/>
-              <a:t>'</a:t>
-            </a:r>
-            <a:r>
-              <a:rPr kumimoji="1" lang="en" altLang="ko-Kore-KR" dirty="0"/>
-              <a:t>month', 'day', 'hour',</a:t>
-            </a:r>
-          </a:p>
-          <a:p>
-            <a:r>
-              <a:rPr kumimoji="1" lang="en" altLang="ko-Kore-KR" dirty="0"/>
-              <a:t>'</a:t>
-            </a:r>
-            <a:r>
-              <a:rPr kumimoji="1" lang="en" altLang="ko-Kore-KR" dirty="0" err="1"/>
-              <a:t>resting_day</a:t>
-            </a:r>
-            <a:r>
-              <a:rPr kumimoji="1" lang="en" altLang="ko-Kore-KR" dirty="0"/>
-              <a:t>', '</a:t>
-            </a:r>
-            <a:r>
-              <a:rPr kumimoji="1" lang="en" altLang="ko-Kore-KR" dirty="0" err="1"/>
-              <a:t>working_day</a:t>
-            </a:r>
-            <a:r>
-              <a:rPr kumimoji="1" lang="en" altLang="ko-Kore-KR" dirty="0"/>
-              <a:t>’, </a:t>
-            </a:r>
-          </a:p>
-          <a:p>
-            <a:r>
-              <a:rPr kumimoji="1" lang="en" altLang="ko-Kore-KR" dirty="0"/>
-              <a:t>'</a:t>
-            </a:r>
-            <a:r>
-              <a:rPr kumimoji="1" lang="ko-KR" altLang="en-US" dirty="0"/>
-              <a:t>소비자심리지수</a:t>
-            </a:r>
-            <a:r>
-              <a:rPr kumimoji="1" lang="en-US" altLang="ko-KR" dirty="0"/>
-              <a:t>’, </a:t>
-            </a:r>
-          </a:p>
-          <a:p>
-            <a:r>
-              <a:rPr kumimoji="1" lang="en-US" altLang="ko-KR" dirty="0"/>
-              <a:t>'</a:t>
-            </a:r>
-            <a:r>
-              <a:rPr kumimoji="1" lang="ko-KR" altLang="en-US" dirty="0"/>
-              <a:t>가구</a:t>
-            </a:r>
-            <a:r>
-              <a:rPr kumimoji="1" lang="en-US" altLang="ko-KR" dirty="0"/>
-              <a:t>', '</a:t>
-            </a:r>
-            <a:r>
-              <a:rPr kumimoji="1" lang="ko-KR" altLang="en-US" dirty="0"/>
-              <a:t>가전</a:t>
-            </a:r>
-            <a:r>
-              <a:rPr kumimoji="1" lang="en-US" altLang="ko-KR" dirty="0"/>
-              <a:t>', '</a:t>
-            </a:r>
-            <a:r>
-              <a:rPr kumimoji="1" lang="ko-KR" altLang="en-US" dirty="0"/>
-              <a:t>건강기능</a:t>
-            </a:r>
-            <a:r>
-              <a:rPr kumimoji="1" lang="en-US" altLang="ko-KR" dirty="0"/>
-              <a:t>','</a:t>
-            </a:r>
-            <a:r>
-              <a:rPr kumimoji="1" lang="ko-KR" altLang="en-US" dirty="0" err="1"/>
-              <a:t>농수축</a:t>
-            </a:r>
-            <a:r>
-              <a:rPr kumimoji="1" lang="en-US" altLang="ko-KR" dirty="0"/>
-              <a:t>', '</a:t>
-            </a:r>
-            <a:r>
-              <a:rPr kumimoji="1" lang="ko-KR" altLang="en-US" dirty="0"/>
-              <a:t>생활용품</a:t>
-            </a:r>
-            <a:r>
-              <a:rPr kumimoji="1" lang="en-US" altLang="ko-KR" dirty="0"/>
-              <a:t>’, </a:t>
-            </a:r>
-          </a:p>
-          <a:p>
-            <a:r>
-              <a:rPr kumimoji="1" lang="en-US" altLang="ko-KR" dirty="0"/>
-              <a:t>'</a:t>
-            </a:r>
-            <a:r>
-              <a:rPr kumimoji="1" lang="ko-KR" altLang="en-US" dirty="0"/>
-              <a:t>속옷</a:t>
-            </a:r>
-            <a:r>
-              <a:rPr kumimoji="1" lang="en-US" altLang="ko-KR" dirty="0"/>
-              <a:t>', '</a:t>
-            </a:r>
-            <a:r>
-              <a:rPr kumimoji="1" lang="ko-KR" altLang="en-US" dirty="0"/>
-              <a:t>의류</a:t>
-            </a:r>
-            <a:r>
-              <a:rPr kumimoji="1" lang="en-US" altLang="ko-KR" dirty="0"/>
-              <a:t>', '</a:t>
-            </a:r>
-            <a:r>
-              <a:rPr kumimoji="1" lang="ko-KR" altLang="en-US" dirty="0"/>
-              <a:t>이미용</a:t>
-            </a:r>
-            <a:r>
-              <a:rPr kumimoji="1" lang="en-US" altLang="ko-KR" dirty="0"/>
-              <a:t>', '</a:t>
-            </a:r>
-            <a:r>
-              <a:rPr kumimoji="1" lang="ko-KR" altLang="en-US" dirty="0"/>
-              <a:t>잡화</a:t>
-            </a:r>
-            <a:r>
-              <a:rPr kumimoji="1" lang="en-US" altLang="ko-KR" dirty="0"/>
-              <a:t>', '</a:t>
-            </a:r>
-            <a:r>
-              <a:rPr kumimoji="1" lang="ko-KR" altLang="en-US" dirty="0"/>
-              <a:t>주방</a:t>
-            </a:r>
-            <a:r>
-              <a:rPr kumimoji="1" lang="en-US" altLang="ko-KR" dirty="0"/>
-              <a:t>', '</a:t>
-            </a:r>
-            <a:r>
-              <a:rPr kumimoji="1" lang="ko-KR" altLang="en-US" dirty="0"/>
-              <a:t>침구</a:t>
-            </a:r>
-            <a:r>
-              <a:rPr kumimoji="1" lang="en-US" altLang="ko-KR" dirty="0"/>
-              <a:t>’, </a:t>
-            </a:r>
-          </a:p>
-          <a:p>
-            <a:r>
-              <a:rPr kumimoji="1" lang="en-US" altLang="ko-KR" dirty="0"/>
-              <a:t>'</a:t>
-            </a:r>
-            <a:r>
-              <a:rPr kumimoji="1" lang="ko-KR" altLang="en-US" dirty="0"/>
-              <a:t>가을</a:t>
-            </a:r>
-            <a:r>
-              <a:rPr kumimoji="1" lang="en-US" altLang="ko-KR" dirty="0"/>
-              <a:t>', '</a:t>
-            </a:r>
-            <a:r>
-              <a:rPr kumimoji="1" lang="ko-KR" altLang="en-US" dirty="0"/>
-              <a:t>겨울</a:t>
-            </a:r>
-            <a:r>
-              <a:rPr kumimoji="1" lang="en-US" altLang="ko-KR" dirty="0"/>
-              <a:t>', '</a:t>
-            </a:r>
-            <a:r>
-              <a:rPr kumimoji="1" lang="ko-KR" altLang="en-US" dirty="0"/>
-              <a:t>봄</a:t>
-            </a:r>
-            <a:r>
-              <a:rPr kumimoji="1" lang="en-US" altLang="ko-KR" dirty="0"/>
-              <a:t>','</a:t>
-            </a:r>
-            <a:r>
-              <a:rPr kumimoji="1" lang="ko-KR" altLang="en-US" dirty="0"/>
-              <a:t>여름</a:t>
-            </a:r>
-            <a:r>
-              <a:rPr kumimoji="1" lang="en-US" altLang="ko-KR" dirty="0"/>
-              <a:t>'</a:t>
-            </a:r>
-            <a:endParaRPr kumimoji="1" lang="ko-Kore-KR" altLang="en-US" dirty="0"/>
+            <a:endParaRPr kumimoji="1" lang="en-US" altLang="ko-KR" sz="1400" dirty="0"/>
           </a:p>
         </p:txBody>
       </p:sp>
     </p:spTree>
     <p:extLst>
       <p:ext uri="{BB962C8B-B14F-4D97-AF65-F5344CB8AC3E}">
-        <p14:creationId xmlns:p14="http://schemas.microsoft.com/office/powerpoint/2010/main" val="4144168842"/>
-      </p:ext>
-    </p:extLst>
-  </p:cSld>
-  <p:clrMapOvr>
-    <a:masterClrMapping/>
-  </p:clrMapOvr>
-</p:sld>
-</file>
-
-<file path=ppt/slides/slide8.xml><?xml version="1.0" encoding="utf-8"?>
-<p:sld xmlns:a="http://schemas.openxmlformats.org/drawingml/2006/main" xmlns:r="http://schemas.openxmlformats.org/officeDocument/2006/relationships" xmlns:p="http://schemas.openxmlformats.org/presentationml/2006/main">
-  <p:cSld>
-    <p:spTree>
-      <p:nvGrpSpPr>
-        <p:cNvPr id="1" name=""/>
-        <p:cNvGrpSpPr/>
-        <p:nvPr/>
-      </p:nvGrpSpPr>
-      <p:grpSpPr>
-        <a:xfrm>
-          <a:off x="0" y="0"/>
-          <a:ext cx="0" cy="0"/>
-          <a:chOff x="0" y="0"/>
-          <a:chExt cx="0" cy="0"/>
-        </a:xfrm>
-      </p:grpSpPr>
-      <p:sp>
-        <p:nvSpPr>
-          <p:cNvPr id="2" name="제목 1">
-            <a:extLst>
-              <a:ext uri="{FF2B5EF4-FFF2-40B4-BE49-F238E27FC236}">
-                <a16:creationId xmlns:a16="http://schemas.microsoft.com/office/drawing/2014/main" id="{BBEC31DA-3F1B-BA4E-B2BE-8E852570A21C}"/>
-              </a:ext>
-            </a:extLst>
-          </p:cNvPr>
-          <p:cNvSpPr>
-            <a:spLocks noGrp="1"/>
-          </p:cNvSpPr>
-          <p:nvPr>
-            <p:ph type="title"/>
-          </p:nvPr>
-        </p:nvSpPr>
-        <p:spPr/>
-        <p:txBody>
-          <a:bodyPr/>
-          <a:lstStyle/>
-          <a:p>
-            <a:r>
-              <a:rPr kumimoji="1" lang="ko-Kore-KR" altLang="en-US" dirty="0"/>
-              <a:t>피처링</a:t>
-            </a:r>
-          </a:p>
-        </p:txBody>
-      </p:sp>
-      <p:sp>
-        <p:nvSpPr>
-          <p:cNvPr id="3" name="TextBox 2">
-            <a:extLst>
-              <a:ext uri="{FF2B5EF4-FFF2-40B4-BE49-F238E27FC236}">
-                <a16:creationId xmlns:a16="http://schemas.microsoft.com/office/drawing/2014/main" id="{637B7585-DD22-E244-AE00-181273E50338}"/>
-              </a:ext>
-            </a:extLst>
-          </p:cNvPr>
-          <p:cNvSpPr txBox="1"/>
-          <p:nvPr/>
-        </p:nvSpPr>
-        <p:spPr>
-          <a:xfrm>
-            <a:off x="5404207" y="2691829"/>
-            <a:ext cx="2648033" cy="369332"/>
-          </a:xfrm>
-          <a:prstGeom prst="rect">
-            <a:avLst/>
-          </a:prstGeom>
-          <a:noFill/>
-        </p:spPr>
-        <p:txBody>
-          <a:bodyPr wrap="none" rtlCol="0">
-            <a:spAutoFit/>
-          </a:bodyPr>
-          <a:lstStyle/>
-          <a:p>
-            <a:r>
-              <a:rPr kumimoji="1" lang="ko-Kore-KR" altLang="en-US" dirty="0"/>
-              <a:t>코드</a:t>
-            </a:r>
-            <a:r>
-              <a:rPr kumimoji="1" lang="ko-KR" altLang="en-US" dirty="0"/>
-              <a:t> 내용 및 </a:t>
-            </a:r>
-            <a:r>
-              <a:rPr kumimoji="1" lang="en-US" altLang="ko-KR" dirty="0" err="1"/>
-              <a:t>ipynb</a:t>
-            </a:r>
-            <a:r>
-              <a:rPr kumimoji="1" lang="en-US" altLang="ko-KR" dirty="0"/>
-              <a:t> </a:t>
-            </a:r>
-            <a:r>
-              <a:rPr kumimoji="1" lang="ko-KR" altLang="en-US" dirty="0"/>
-              <a:t>이름</a:t>
-            </a:r>
-            <a:endParaRPr kumimoji="1" lang="ko-Kore-KR" altLang="en-US" dirty="0"/>
-          </a:p>
-        </p:txBody>
-      </p:sp>
-    </p:spTree>
-    <p:extLst>
-      <p:ext uri="{BB962C8B-B14F-4D97-AF65-F5344CB8AC3E}">
-        <p14:creationId xmlns:p14="http://schemas.microsoft.com/office/powerpoint/2010/main" val="2557862647"/>
-      </p:ext>
-    </p:extLst>
-  </p:cSld>
-  <p:clrMapOvr>
-    <a:masterClrMapping/>
-  </p:clrMapOvr>
-</p:sld>
-</file>
-
-<file path=ppt/slides/slide9.xml><?xml version="1.0" encoding="utf-8"?>
-<p:sld xmlns:a="http://schemas.openxmlformats.org/drawingml/2006/main" xmlns:r="http://schemas.openxmlformats.org/officeDocument/2006/relationships" xmlns:p="http://schemas.openxmlformats.org/presentationml/2006/main">
-  <p:cSld>
-    <p:spTree>
-      <p:nvGrpSpPr>
-        <p:cNvPr id="1" name=""/>
-        <p:cNvGrpSpPr/>
-        <p:nvPr/>
-      </p:nvGrpSpPr>
-      <p:grpSpPr>
-        <a:xfrm>
-          <a:off x="0" y="0"/>
-          <a:ext cx="0" cy="0"/>
-          <a:chOff x="0" y="0"/>
-          <a:chExt cx="0" cy="0"/>
-        </a:xfrm>
-      </p:grpSpPr>
-      <p:sp>
-        <p:nvSpPr>
-          <p:cNvPr id="2" name="제목 1">
-            <a:extLst>
-              <a:ext uri="{FF2B5EF4-FFF2-40B4-BE49-F238E27FC236}">
-                <a16:creationId xmlns:a16="http://schemas.microsoft.com/office/drawing/2014/main" id="{55995E44-C2BA-9B42-A7D3-D8161C3EE890}"/>
-              </a:ext>
-            </a:extLst>
-          </p:cNvPr>
-          <p:cNvSpPr>
-            <a:spLocks noGrp="1"/>
-          </p:cNvSpPr>
-          <p:nvPr>
-            <p:ph type="title"/>
-          </p:nvPr>
-        </p:nvSpPr>
-        <p:spPr/>
-        <p:txBody>
-          <a:bodyPr/>
-          <a:lstStyle/>
-          <a:p>
-            <a:r>
-              <a:rPr lang="ko-Kore-KR" altLang="en-US" dirty="0"/>
-              <a:t>예측모델</a:t>
-            </a:r>
-          </a:p>
-        </p:txBody>
-      </p:sp>
-      <p:sp>
-        <p:nvSpPr>
-          <p:cNvPr id="3" name="TextBox 2">
-            <a:extLst>
-              <a:ext uri="{FF2B5EF4-FFF2-40B4-BE49-F238E27FC236}">
-                <a16:creationId xmlns:a16="http://schemas.microsoft.com/office/drawing/2014/main" id="{40419423-2403-6C4E-AB71-7EBC7E95F468}"/>
-              </a:ext>
-            </a:extLst>
-          </p:cNvPr>
-          <p:cNvSpPr txBox="1"/>
-          <p:nvPr/>
-        </p:nvSpPr>
-        <p:spPr>
-          <a:xfrm>
-            <a:off x="5887092" y="2702103"/>
-            <a:ext cx="5214889" cy="1200329"/>
-          </a:xfrm>
-          <a:prstGeom prst="rect">
-            <a:avLst/>
-          </a:prstGeom>
-          <a:noFill/>
-        </p:spPr>
-        <p:txBody>
-          <a:bodyPr wrap="none" rtlCol="0">
-            <a:spAutoFit/>
-          </a:bodyPr>
-          <a:lstStyle/>
-          <a:p>
-            <a:r>
-              <a:rPr kumimoji="1" lang="en-US" altLang="ko-Kore-KR" dirty="0" err="1"/>
-              <a:t>RandomForest</a:t>
-            </a:r>
-            <a:r>
-              <a:rPr kumimoji="1" lang="en-US" altLang="ko-Kore-KR" dirty="0"/>
-              <a:t> </a:t>
-            </a:r>
-            <a:r>
-              <a:rPr kumimoji="1" lang="ko-KR" altLang="en-US" dirty="0"/>
-              <a:t>논문 설명</a:t>
-            </a:r>
-            <a:r>
-              <a:rPr kumimoji="1" lang="en-US" altLang="ko-KR" dirty="0"/>
-              <a:t>(</a:t>
-            </a:r>
-            <a:r>
-              <a:rPr kumimoji="1" lang="ko-KR" altLang="en-US" dirty="0"/>
-              <a:t>미세먼지 예측</a:t>
-            </a:r>
-            <a:r>
-              <a:rPr kumimoji="1" lang="en-US" altLang="ko-KR" dirty="0"/>
-              <a:t>)</a:t>
-            </a:r>
-          </a:p>
-          <a:p>
-            <a:r>
-              <a:rPr kumimoji="1" lang="ko-KR" altLang="en-US" dirty="0"/>
-              <a:t>따로 표준화 및 </a:t>
-            </a:r>
-            <a:r>
-              <a:rPr kumimoji="1" lang="ko-KR" altLang="en-US" dirty="0" err="1"/>
-              <a:t>정규화가</a:t>
-            </a:r>
-            <a:r>
-              <a:rPr kumimoji="1" lang="ko-KR" altLang="en-US" dirty="0"/>
-              <a:t> 필요하지 </a:t>
-            </a:r>
-            <a:r>
-              <a:rPr kumimoji="1" lang="ko-KR" altLang="en-US" dirty="0" err="1"/>
-              <a:t>않다는것</a:t>
-            </a:r>
-            <a:r>
-              <a:rPr kumimoji="1" lang="ko-KR" altLang="en-US" dirty="0"/>
-              <a:t> 설명</a:t>
-            </a:r>
-            <a:r>
-              <a:rPr kumimoji="1" lang="en-US" altLang="ko-KR" dirty="0"/>
-              <a:t>,</a:t>
-            </a:r>
-          </a:p>
-          <a:p>
-            <a:r>
-              <a:rPr kumimoji="1" lang="ko-KR" altLang="en-US" dirty="0"/>
-              <a:t>회기</a:t>
-            </a:r>
-            <a:r>
-              <a:rPr kumimoji="1" lang="en-US" altLang="ko-KR" dirty="0"/>
-              <a:t>,</a:t>
-            </a:r>
-            <a:r>
-              <a:rPr kumimoji="1" lang="ko-KR" altLang="en-US" dirty="0"/>
-              <a:t> 분류 둘다 사용가능 </a:t>
-            </a:r>
-            <a:r>
-              <a:rPr kumimoji="1" lang="ko-KR" altLang="en-US" dirty="0" err="1"/>
-              <a:t>에대한</a:t>
-            </a:r>
-            <a:r>
-              <a:rPr kumimoji="1" lang="ko-KR" altLang="en-US" dirty="0"/>
-              <a:t> 용이성</a:t>
-            </a:r>
-            <a:endParaRPr kumimoji="1" lang="en-US" altLang="ko-KR" dirty="0"/>
-          </a:p>
-          <a:p>
-            <a:r>
-              <a:rPr kumimoji="1" lang="ko-Kore-KR" altLang="en-US" dirty="0"/>
-              <a:t>등등</a:t>
-            </a:r>
-            <a:r>
-              <a:rPr kumimoji="1" lang="en-US" altLang="ko-Kore-KR" dirty="0"/>
-              <a:t>.</a:t>
-            </a:r>
-            <a:r>
-              <a:rPr kumimoji="1" lang="en-US" altLang="ko-KR" dirty="0"/>
-              <a:t>.</a:t>
-            </a:r>
-            <a:endParaRPr kumimoji="1" lang="ko-Kore-KR" altLang="en-US" dirty="0"/>
-          </a:p>
-        </p:txBody>
-      </p:sp>
-    </p:spTree>
-    <p:extLst>
-      <p:ext uri="{BB962C8B-B14F-4D97-AF65-F5344CB8AC3E}">
-        <p14:creationId xmlns:p14="http://schemas.microsoft.com/office/powerpoint/2010/main" val="2299367943"/>
+        <p14:creationId xmlns:p14="http://schemas.microsoft.com/office/powerpoint/2010/main" val="3268507821"/>
       </p:ext>
     </p:extLst>
   </p:cSld>
